--- a/Heapsort.pptx
+++ b/Heapsort.pptx
@@ -8,19 +8,20 @@
     <p:notesMasterId r:id="rId4"/>
   </p:notesMasterIdLst>
   <p:handoutMasterIdLst>
-    <p:handoutMasterId r:id="rId14"/>
+    <p:handoutMasterId r:id="rId15"/>
   </p:handoutMasterIdLst>
   <p:sldIdLst>
     <p:sldId id="267" r:id="rId3"/>
     <p:sldId id="290" r:id="rId5"/>
-    <p:sldId id="269" r:id="rId6"/>
-    <p:sldId id="291" r:id="rId7"/>
-    <p:sldId id="289" r:id="rId8"/>
-    <p:sldId id="284" r:id="rId9"/>
-    <p:sldId id="304" r:id="rId10"/>
-    <p:sldId id="300" r:id="rId11"/>
-    <p:sldId id="303" r:id="rId12"/>
-    <p:sldId id="306" r:id="rId13"/>
+    <p:sldId id="309" r:id="rId6"/>
+    <p:sldId id="269" r:id="rId7"/>
+    <p:sldId id="291" r:id="rId8"/>
+    <p:sldId id="289" r:id="rId9"/>
+    <p:sldId id="284" r:id="rId10"/>
+    <p:sldId id="304" r:id="rId11"/>
+    <p:sldId id="300" r:id="rId12"/>
+    <p:sldId id="303" r:id="rId13"/>
+    <p:sldId id="306" r:id="rId14"/>
   </p:sldIdLst>
   <p:sldSz cx="12192000" cy="6858000"/>
   <p:notesSz cx="7103745" cy="10234295"/>
@@ -7699,7 +7700,12 @@
             <p:ph type="body" sz="quarter" idx="11"/>
           </p:nvPr>
         </p:nvSpPr>
-        <p:spPr/>
+        <p:spPr>
+          <a:xfrm>
+            <a:off x="5231765" y="4847590"/>
+            <a:ext cx="4518660" cy="494030"/>
+          </a:xfrm>
+        </p:spPr>
         <p:txBody>
           <a:bodyPr/>
           <a:lstStyle/>
@@ -7715,15 +7721,7 @@
             </a:pPr>
             <a:r>
               <a:rPr lang="ru-RU" altLang="en-US" b="1" dirty="0"/>
-              <a:t>Подготовила: Балашова Софья</a:t>
-            </a:r>
-            <a:r>
-              <a:rPr lang="en-US" altLang="ko-KR" b="1" dirty="0"/>
-              <a:t> </a:t>
-            </a:r>
-            <a:r>
-              <a:rPr lang="ru-RU" altLang="en-US" b="1" dirty="0"/>
-              <a:t>, гр. 11-203</a:t>
+              <a:t>Подготовила: Балашова Софья, гр. 11-203</a:t>
             </a:r>
             <a:r>
               <a:rPr lang="en-US" altLang="ko-KR" b="1" dirty="0"/>
@@ -7932,6 +7930,64 @@
           </p:txBody>
         </p:sp>
       </p:grpSp>
+      <p:sp>
+        <p:nvSpPr>
+          <p:cNvPr id="2" name="Текстовое поле 1"/>
+          <p:cNvSpPr txBox="1"/>
+          <p:nvPr/>
+        </p:nvSpPr>
+        <p:spPr>
+          <a:xfrm>
+            <a:off x="5231765" y="5341620"/>
+            <a:ext cx="2818130" cy="229870"/>
+          </a:xfrm>
+          <a:prstGeom prst="rect">
+            <a:avLst/>
+          </a:prstGeom>
+          <a:noFill/>
+        </p:spPr>
+        <p:txBody>
+          <a:bodyPr wrap="none" rtlCol="0" anchor="t">
+            <a:spAutoFit/>
+          </a:bodyPr>
+          <a:p>
+            <a:pPr>
+              <a:lnSpc>
+                <a:spcPct val="100000"/>
+              </a:lnSpc>
+              <a:spcBef>
+                <a:spcPts val="0"/>
+              </a:spcBef>
+              <a:spcAft>
+                <a:spcPts val="300"/>
+              </a:spcAft>
+            </a:pPr>
+            <a:r>
+              <a:rPr lang="ru-RU" altLang="en-US" sz="900" b="1">
+                <a:solidFill>
+                  <a:schemeClr val="accent5">
+                    <a:lumMod val="75000"/>
+                  </a:schemeClr>
+                </a:solidFill>
+                <a:latin typeface="Arial" panose="020B0604020202020204" pitchFamily="34" charset="0"/>
+                <a:cs typeface="Arial" panose="020B0604020202020204" pitchFamily="34" charset="0"/>
+                <a:sym typeface="+mn-ea"/>
+              </a:rPr>
+              <a:t>https://github.com/sofya-balashova/HeapSort.git</a:t>
+            </a:r>
+            <a:endParaRPr lang="ru-RU" altLang="en-US" sz="900" b="1">
+              <a:solidFill>
+                <a:schemeClr val="accent5">
+                  <a:lumMod val="75000"/>
+                </a:schemeClr>
+              </a:solidFill>
+              <a:latin typeface="Arial" panose="020B0604020202020204" pitchFamily="34" charset="0"/>
+              <a:cs typeface="Arial" panose="020B0604020202020204" pitchFamily="34" charset="0"/>
+              <a:sym typeface="+mn-ea"/>
+            </a:endParaRPr>
+          </a:p>
+        </p:txBody>
+      </p:sp>
     </p:spTree>
   </p:cSld>
   <p:clrMapOvr>
@@ -7957,6 +8013,49 @@
           <a:chExt cx="0" cy="0"/>
         </a:xfrm>
       </p:grpSpPr>
+      <p:graphicFrame>
+        <p:nvGraphicFramePr>
+          <p:cNvPr id="3" name="Замещающее содержимое 2"/>
+          <p:cNvGraphicFramePr/>
+          <p:nvPr>
+            <p:ph sz="quarter" idx="13"/>
+          </p:nvPr>
+        </p:nvGraphicFramePr>
+        <p:xfrm>
+          <a:off x="2798445" y="715010"/>
+          <a:ext cx="9393555" cy="5436235"/>
+        </p:xfrm>
+        <a:graphic>
+          <a:graphicData uri="http://schemas.openxmlformats.org/drawingml/2006/chart">
+            <c:chart xmlns:c="http://schemas.openxmlformats.org/drawingml/2006/chart" xmlns:r="http://schemas.openxmlformats.org/officeDocument/2006/relationships" r:id="rId1"/>
+          </a:graphicData>
+        </a:graphic>
+      </p:graphicFrame>
+    </p:spTree>
+  </p:cSld>
+  <p:clrMapOvr>
+    <a:masterClrMapping/>
+  </p:clrMapOvr>
+</p:sld>
+</file>
+
+<file path=ppt/slides/slide11.xml><?xml version="1.0" encoding="utf-8"?>
+<p:sld xmlns:a="http://schemas.openxmlformats.org/drawingml/2006/main" xmlns:r="http://schemas.openxmlformats.org/officeDocument/2006/relationships" xmlns:p="http://schemas.openxmlformats.org/presentationml/2006/main">
+  <p:cSld>
+    <p:spTree>
+      <p:nvGrpSpPr>
+        <p:cNvPr id="1" name=""/>
+        <p:cNvGrpSpPr/>
+        <p:nvPr/>
+      </p:nvGrpSpPr>
+      <p:grpSpPr>
+        <a:xfrm>
+          <a:off x="0" y="0"/>
+          <a:ext cx="0" cy="0"/>
+          <a:chOff x="0" y="0"/>
+          <a:chExt cx="0" cy="0"/>
+        </a:xfrm>
+      </p:grpSpPr>
       <p:sp>
         <p:nvSpPr>
           <p:cNvPr id="3" name="Текстовое поле 2"/>
@@ -7965,8 +8064,8 @@
         </p:nvSpPr>
         <p:spPr>
           <a:xfrm>
-            <a:off x="1831975" y="777875"/>
-            <a:ext cx="9507220" cy="5061585"/>
+            <a:off x="1342390" y="1086485"/>
+            <a:ext cx="9507220" cy="3553460"/>
           </a:xfrm>
           <a:prstGeom prst="rect">
             <a:avLst/>
@@ -7995,7 +8094,7 @@
                 <a:cs typeface="Arial" panose="020B0604020202020204" pitchFamily="34" charset="0"/>
                 <a:sym typeface="+mn-ea"/>
               </a:rPr>
-              <a:t>Предполагаемые графики отличаются от реальных данных потому что алгоритм не является устойчивым, это особенность используемой структуры данных.</a:t>
+              <a:t>Предполагаемые графики отличаются от реальных данных, потому что алгоритм не является устойчивым, это особенность используемой структуры данных.</a:t>
             </a:r>
             <a:endParaRPr lang="ru-RU" altLang="en-US" sz="2200">
               <a:latin typeface="Arial" panose="020B0604020202020204" pitchFamily="34" charset="0"/>
@@ -8056,73 +8155,6 @@
               </a:rPr>
               <a:t>Алгоритм имеет ограниченное применение, потому что Quicksort (Быстрая сортировка) и Mergesort (Сортировка слиянием) на практике лучше. Тем не менее, сама структура данных кучи используется довольно часто.</a:t>
             </a:r>
-            <a:endParaRPr lang="ru-RU" altLang="en-US" sz="2200">
-              <a:latin typeface="Arial" panose="020B0604020202020204" pitchFamily="34" charset="0"/>
-              <a:cs typeface="Arial" panose="020B0604020202020204" pitchFamily="34" charset="0"/>
-              <a:sym typeface="+mn-ea"/>
-            </a:endParaRPr>
-          </a:p>
-          <a:p>
-            <a:pPr>
-              <a:lnSpc>
-                <a:spcPct val="100000"/>
-              </a:lnSpc>
-              <a:spcBef>
-                <a:spcPts val="0"/>
-              </a:spcBef>
-              <a:spcAft>
-                <a:spcPts val="300"/>
-              </a:spcAft>
-            </a:pPr>
-            <a:endParaRPr lang="ru-RU" altLang="en-US" sz="2200">
-              <a:latin typeface="Arial" panose="020B0604020202020204" pitchFamily="34" charset="0"/>
-              <a:cs typeface="Arial" panose="020B0604020202020204" pitchFamily="34" charset="0"/>
-              <a:sym typeface="+mn-ea"/>
-            </a:endParaRPr>
-          </a:p>
-          <a:p>
-            <a:pPr>
-              <a:lnSpc>
-                <a:spcPct val="100000"/>
-              </a:lnSpc>
-              <a:spcBef>
-                <a:spcPts val="0"/>
-              </a:spcBef>
-              <a:spcAft>
-                <a:spcPts val="300"/>
-              </a:spcAft>
-            </a:pPr>
-            <a:endParaRPr lang="ru-RU" altLang="en-US" sz="2200">
-              <a:latin typeface="Arial" panose="020B0604020202020204" pitchFamily="34" charset="0"/>
-              <a:cs typeface="Arial" panose="020B0604020202020204" pitchFamily="34" charset="0"/>
-              <a:sym typeface="+mn-ea"/>
-            </a:endParaRPr>
-          </a:p>
-          <a:p>
-            <a:pPr>
-              <a:lnSpc>
-                <a:spcPct val="100000"/>
-              </a:lnSpc>
-              <a:spcBef>
-                <a:spcPts val="0"/>
-              </a:spcBef>
-              <a:spcAft>
-                <a:spcPts val="300"/>
-              </a:spcAft>
-            </a:pPr>
-            <a:r>
-              <a:rPr lang="ru-RU" altLang="en-US" sz="2200" b="1">
-                <a:solidFill>
-                  <a:schemeClr val="accent6">
-                    <a:lumMod val="75000"/>
-                  </a:schemeClr>
-                </a:solidFill>
-                <a:latin typeface="Arial" panose="020B0604020202020204" pitchFamily="34" charset="0"/>
-                <a:cs typeface="Arial" panose="020B0604020202020204" pitchFamily="34" charset="0"/>
-                <a:sym typeface="+mn-ea"/>
-              </a:rPr>
-              <a:t>Ссылка на репозиторий:</a:t>
-            </a:r>
             <a:endParaRPr lang="ru-RU" altLang="en-US" sz="2200" b="1">
               <a:solidFill>
                 <a:schemeClr val="accent6">
@@ -8134,53 +8166,6 @@
               <a:sym typeface="+mn-ea"/>
             </a:endParaRPr>
           </a:p>
-          <a:p>
-            <a:pPr>
-              <a:lnSpc>
-                <a:spcPct val="100000"/>
-              </a:lnSpc>
-              <a:spcBef>
-                <a:spcPts val="0"/>
-              </a:spcBef>
-              <a:spcAft>
-                <a:spcPts val="300"/>
-              </a:spcAft>
-            </a:pPr>
-            <a:r>
-              <a:rPr lang="en-US" altLang="ru-RU" sz="2200" b="1">
-                <a:solidFill>
-                  <a:schemeClr val="accent6">
-                    <a:lumMod val="75000"/>
-                  </a:schemeClr>
-                </a:solidFill>
-                <a:latin typeface="Arial" panose="020B0604020202020204" pitchFamily="34" charset="0"/>
-                <a:cs typeface="Arial" panose="020B0604020202020204" pitchFamily="34" charset="0"/>
-                <a:sym typeface="+mn-ea"/>
-              </a:rPr>
-              <a:t>		</a:t>
-            </a:r>
-            <a:r>
-              <a:rPr lang="ru-RU" altLang="en-US" sz="2200" b="1">
-                <a:solidFill>
-                  <a:schemeClr val="tx1"/>
-                </a:solidFill>
-                <a:latin typeface="Arial" panose="020B0604020202020204" pitchFamily="34" charset="0"/>
-                <a:cs typeface="Arial" panose="020B0604020202020204" pitchFamily="34" charset="0"/>
-                <a:sym typeface="+mn-ea"/>
-              </a:rPr>
-              <a:t>https://github.com/sofya-balashova/HeapSort.git</a:t>
-            </a:r>
-            <a:endParaRPr lang="ru-RU" altLang="en-US" sz="2200" b="1">
-              <a:solidFill>
-                <a:schemeClr val="accent6">
-                  <a:lumMod val="75000"/>
-                </a:schemeClr>
-              </a:solidFill>
-              <a:latin typeface="Arial" panose="020B0604020202020204" pitchFamily="34" charset="0"/>
-              <a:cs typeface="Arial" panose="020B0604020202020204" pitchFamily="34" charset="0"/>
-              <a:sym typeface="+mn-ea"/>
-            </a:endParaRPr>
-          </a:p>
         </p:txBody>
       </p:sp>
       <p:sp>
@@ -8191,7 +8176,7 @@
         </p:nvSpPr>
         <p:spPr>
           <a:xfrm>
-            <a:off x="0" y="0"/>
+            <a:off x="0" y="298450"/>
             <a:ext cx="12192000" cy="583565"/>
           </a:xfrm>
           <a:prstGeom prst="rect">
@@ -8312,8 +8297,8 @@
         </p:nvSpPr>
         <p:spPr>
           <a:xfrm>
-            <a:off x="1545590" y="1050925"/>
-            <a:ext cx="9691370" cy="5403850"/>
+            <a:off x="1620520" y="1537335"/>
+            <a:ext cx="9691370" cy="3636010"/>
           </a:xfrm>
           <a:prstGeom prst="rect">
             <a:avLst/>
@@ -8567,23 +8552,7 @@
                 <a:spcPts val="300"/>
               </a:spcAft>
             </a:pPr>
-            <a:r>
-              <a:rPr lang="ru-RU" altLang="en-US" sz="2200" b="1">
-                <a:latin typeface="Arial" panose="020B0604020202020204" pitchFamily="34" charset="0"/>
-                <a:cs typeface="Arial" panose="020B0604020202020204" pitchFamily="34" charset="0"/>
-                <a:sym typeface="+mn-ea"/>
-              </a:rPr>
-              <a:t>Законченное двоичное дерево</a:t>
-            </a:r>
-            <a:r>
-              <a:rPr lang="ru-RU" altLang="en-US" sz="2200">
-                <a:latin typeface="Arial" panose="020B0604020202020204" pitchFamily="34" charset="0"/>
-                <a:cs typeface="Arial" panose="020B0604020202020204" pitchFamily="34" charset="0"/>
-                <a:sym typeface="+mn-ea"/>
-              </a:rPr>
-              <a:t> — это двоичное дерево, в котором каждый уровень, за исключением последнего, имеет полный набор узлов, и все листья расположены как можно левее.</a:t>
-            </a:r>
-            <a:endParaRPr lang="ru-RU" altLang="en-US" sz="2200">
+            <a:endParaRPr lang="ru-RU" altLang="en-US" sz="2200" b="1">
               <a:latin typeface="Arial" panose="020B0604020202020204" pitchFamily="34" charset="0"/>
               <a:cs typeface="Arial" panose="020B0604020202020204" pitchFamily="34" charset="0"/>
             </a:endParaRPr>
@@ -8604,22 +8573,19 @@
               <a:rPr lang="ru-RU" altLang="en-US" sz="2200" b="1">
                 <a:latin typeface="Arial" panose="020B0604020202020204" pitchFamily="34" charset="0"/>
                 <a:cs typeface="Arial" panose="020B0604020202020204" pitchFamily="34" charset="0"/>
-                <a:sym typeface="+mn-ea"/>
               </a:rPr>
-              <a:t>Двоичная куча</a:t>
+              <a:t>Джон Уильямс</a:t>
             </a:r>
             <a:r>
               <a:rPr lang="ru-RU" altLang="en-US" sz="2200">
                 <a:latin typeface="Arial" panose="020B0604020202020204" pitchFamily="34" charset="0"/>
                 <a:cs typeface="Arial" panose="020B0604020202020204" pitchFamily="34" charset="0"/>
-                <a:sym typeface="+mn-ea"/>
               </a:rPr>
-              <a:t> — это законченное двоичное дерево, в котором элементы хранятся в особом порядке: значение в родительском узле больше (или меньше) значений в его двух дочерних узлах. Куча может быть представлена двоичным деревом или массивом.</a:t>
+              <a:t>, автор алгоритма, представил алгоритм в 1964 году.</a:t>
             </a:r>
             <a:endParaRPr lang="ru-RU" altLang="en-US" sz="2200">
               <a:latin typeface="Arial" panose="020B0604020202020204" pitchFamily="34" charset="0"/>
               <a:cs typeface="Arial" panose="020B0604020202020204" pitchFamily="34" charset="0"/>
-              <a:sym typeface="+mn-ea"/>
             </a:endParaRPr>
           </a:p>
           <a:p>
@@ -8634,20 +8600,6 @@
                 <a:spcPts val="300"/>
               </a:spcAft>
             </a:pPr>
-            <a:r>
-              <a:rPr lang="ru-RU" altLang="en-US" sz="2200" b="1">
-                <a:latin typeface="Arial" panose="020B0604020202020204" pitchFamily="34" charset="0"/>
-                <a:cs typeface="Arial" panose="020B0604020202020204" pitchFamily="34" charset="0"/>
-              </a:rPr>
-              <a:t>Дж. Уильямс</a:t>
-            </a:r>
-            <a:r>
-              <a:rPr lang="ru-RU" altLang="en-US" sz="2200">
-                <a:latin typeface="Arial" panose="020B0604020202020204" pitchFamily="34" charset="0"/>
-                <a:cs typeface="Arial" panose="020B0604020202020204" pitchFamily="34" charset="0"/>
-              </a:rPr>
-              <a:t>, автор алгоритма, представил алгоритм в 1964 году.</a:t>
-            </a:r>
             <a:endParaRPr lang="ru-RU" altLang="en-US" sz="2200">
               <a:latin typeface="Arial" panose="020B0604020202020204" pitchFamily="34" charset="0"/>
               <a:cs typeface="Arial" panose="020B0604020202020204" pitchFamily="34" charset="0"/>
@@ -8677,7 +8629,7 @@
                 <a:latin typeface="Arial" panose="020B0604020202020204" pitchFamily="34" charset="0"/>
                 <a:cs typeface="Arial" panose="020B0604020202020204" pitchFamily="34" charset="0"/>
               </a:rPr>
-              <a:t> педложил реализацию, не требующую дополнительной памяти.</a:t>
+              <a:t> предложил реализацию, не требующую дополнительной памяти.</a:t>
             </a:r>
             <a:endParaRPr lang="ru-RU" altLang="en-US" sz="2200">
               <a:latin typeface="Arial" panose="020B0604020202020204" pitchFamily="34" charset="0"/>
@@ -8694,7 +8646,7 @@
         </p:nvSpPr>
         <p:spPr>
           <a:xfrm>
-            <a:off x="0" y="0"/>
+            <a:off x="0" y="99060"/>
             <a:ext cx="12192000" cy="583565"/>
           </a:xfrm>
           <a:prstGeom prst="rect">
@@ -8811,355 +8763,196 @@
       </p:grpSpPr>
       <p:sp>
         <p:nvSpPr>
-          <p:cNvPr id="2" name="Текстовое поле 1"/>
-          <p:cNvSpPr txBox="1"/>
-          <p:nvPr/>
-        </p:nvSpPr>
-        <p:spPr>
-          <a:xfrm>
-            <a:off x="2489200" y="333375"/>
-            <a:ext cx="9702800" cy="2499360"/>
-          </a:xfrm>
-          <a:prstGeom prst="rect">
-            <a:avLst/>
-          </a:prstGeom>
-          <a:noFill/>
-        </p:spPr>
-        <p:txBody>
-          <a:bodyPr wrap="square" rtlCol="0" anchor="t">
-            <a:spAutoFit/>
-          </a:bodyPr>
-          <a:p>
-            <a:pPr>
-              <a:lnSpc>
-                <a:spcPct val="100000"/>
-              </a:lnSpc>
-              <a:spcBef>
-                <a:spcPts val="0"/>
-              </a:spcBef>
-              <a:spcAft>
-                <a:spcPts val="300"/>
-              </a:spcAft>
-            </a:pPr>
-            <a:r>
-              <a:rPr lang="ru-RU" altLang="en-US" sz="2200">
-                <a:latin typeface="Arial" panose="020B0604020202020204" pitchFamily="34" charset="0"/>
-                <a:cs typeface="Arial" panose="020B0604020202020204" pitchFamily="34" charset="0"/>
-                <a:sym typeface="+mn-ea"/>
-              </a:rPr>
-              <a:t>Поскольку двоичная куча — это законченное двоичное дерево, ее можно легко представить в виде массива, а представление на основе массива является эффективным с точки зрения расхода памяти. Если родительский узел хранится в индексе </a:t>
-            </a:r>
-            <a:r>
-              <a:rPr lang="ru-RU" altLang="en-US" sz="2200" b="1">
-                <a:latin typeface="Arial" panose="020B0604020202020204" pitchFamily="34" charset="0"/>
-                <a:cs typeface="Arial" panose="020B0604020202020204" pitchFamily="34" charset="0"/>
-                <a:sym typeface="+mn-ea"/>
-              </a:rPr>
-              <a:t>I</a:t>
-            </a:r>
-            <a:r>
-              <a:rPr lang="ru-RU" altLang="en-US" sz="2200">
-                <a:latin typeface="Arial" panose="020B0604020202020204" pitchFamily="34" charset="0"/>
-                <a:cs typeface="Arial" panose="020B0604020202020204" pitchFamily="34" charset="0"/>
-                <a:sym typeface="+mn-ea"/>
-              </a:rPr>
-              <a:t>, левый дочерний элемент может быть вычислен как </a:t>
-            </a:r>
-            <a:r>
-              <a:rPr lang="ru-RU" altLang="en-US" sz="2200" b="1">
-                <a:latin typeface="Arial" panose="020B0604020202020204" pitchFamily="34" charset="0"/>
-                <a:cs typeface="Arial" panose="020B0604020202020204" pitchFamily="34" charset="0"/>
-                <a:sym typeface="+mn-ea"/>
-              </a:rPr>
-              <a:t>2 I + 1</a:t>
-            </a:r>
-            <a:r>
-              <a:rPr lang="ru-RU" altLang="en-US" sz="2200">
-                <a:latin typeface="Arial" panose="020B0604020202020204" pitchFamily="34" charset="0"/>
-                <a:cs typeface="Arial" panose="020B0604020202020204" pitchFamily="34" charset="0"/>
-                <a:sym typeface="+mn-ea"/>
-              </a:rPr>
-              <a:t>, а правый дочерний элемент — как </a:t>
-            </a:r>
-            <a:r>
-              <a:rPr lang="ru-RU" altLang="en-US" sz="2200" b="1">
-                <a:latin typeface="Arial" panose="020B0604020202020204" pitchFamily="34" charset="0"/>
-                <a:cs typeface="Arial" panose="020B0604020202020204" pitchFamily="34" charset="0"/>
-                <a:sym typeface="+mn-ea"/>
-              </a:rPr>
-              <a:t>2 I + 2</a:t>
-            </a:r>
-            <a:r>
-              <a:rPr lang="ru-RU" altLang="en-US" sz="2200">
-                <a:latin typeface="Arial" panose="020B0604020202020204" pitchFamily="34" charset="0"/>
-                <a:cs typeface="Arial" panose="020B0604020202020204" pitchFamily="34" charset="0"/>
-                <a:sym typeface="+mn-ea"/>
-              </a:rPr>
-              <a:t> (при условии, что индексирование начинается с 0).</a:t>
-            </a:r>
-            <a:endParaRPr lang="ru-RU" altLang="en-US" sz="2200">
-              <a:latin typeface="Arial" panose="020B0604020202020204" pitchFamily="34" charset="0"/>
-              <a:cs typeface="Arial" panose="020B0604020202020204" pitchFamily="34" charset="0"/>
-            </a:endParaRPr>
-          </a:p>
-          <a:p>
-            <a:r>
-              <a:rPr lang="ru-RU" altLang="en-US" sz="2200" b="1">
-                <a:solidFill>
-                  <a:srgbClr val="990000"/>
-                </a:solidFill>
-                <a:latin typeface="Arial" panose="020B0604020202020204" pitchFamily="34" charset="0"/>
-                <a:cs typeface="Arial" panose="020B0604020202020204" pitchFamily="34" charset="0"/>
-                <a:sym typeface="+mn-ea"/>
-              </a:rPr>
-              <a:t>Алгоритм пирамидальной сортировки в порядке по возрастанию:</a:t>
-            </a:r>
-            <a:endParaRPr lang="ru-RU" altLang="en-US" sz="2200" b="1">
-              <a:solidFill>
-                <a:srgbClr val="990000"/>
-              </a:solidFill>
-              <a:latin typeface="Arial" panose="020B0604020202020204" pitchFamily="34" charset="0"/>
-              <a:cs typeface="Arial" panose="020B0604020202020204" pitchFamily="34" charset="0"/>
-              <a:sym typeface="+mn-ea"/>
-            </a:endParaRPr>
-          </a:p>
-        </p:txBody>
-      </p:sp>
-      <p:grpSp>
-        <p:nvGrpSpPr>
-          <p:cNvPr id="60" name="Group 3"/>
-          <p:cNvGrpSpPr/>
-          <p:nvPr/>
-        </p:nvGrpSpPr>
-        <p:grpSpPr>
-          <a:xfrm>
-            <a:off x="3227705" y="2865755"/>
-            <a:ext cx="7179310" cy="970280"/>
-            <a:chOff x="1151472" y="3187501"/>
-            <a:chExt cx="6552728" cy="914400"/>
-          </a:xfrm>
-        </p:grpSpPr>
-        <p:sp>
-          <p:nvSpPr>
-            <p:cNvPr id="61" name="Pentagon 4"/>
-            <p:cNvSpPr/>
-            <p:nvPr/>
-          </p:nvSpPr>
-          <p:spPr>
-            <a:xfrm>
-              <a:off x="1633824" y="3347030"/>
-              <a:ext cx="6070376" cy="720000"/>
-            </a:xfrm>
-            <a:prstGeom prst="homePlate">
-              <a:avLst/>
-            </a:prstGeom>
-            <a:solidFill>
-              <a:schemeClr val="accent1"/>
-            </a:solidFill>
-            <a:ln>
-              <a:noFill/>
-            </a:ln>
-          </p:spPr>
-          <p:style>
-            <a:lnRef idx="2">
-              <a:schemeClr val="accent1">
-                <a:shade val="50000"/>
-              </a:schemeClr>
-            </a:lnRef>
-            <a:fillRef idx="1">
-              <a:schemeClr val="accent1"/>
-            </a:fillRef>
-            <a:effectRef idx="0">
-              <a:schemeClr val="accent1"/>
-            </a:effectRef>
-            <a:fontRef idx="minor">
-              <a:schemeClr val="lt1"/>
-            </a:fontRef>
-          </p:style>
-          <p:txBody>
-            <a:bodyPr rot="0" spcFirstLastPara="0" vertOverflow="overflow" horzOverflow="overflow" vert="horz" wrap="square" lIns="91440" tIns="45720" rIns="91440" bIns="45720" numCol="1" spcCol="0" rtlCol="0" fromWordArt="0" anchor="ctr" anchorCtr="0" forceAA="0" compatLnSpc="1">
-              <a:noAutofit/>
-            </a:bodyPr>
-            <a:lstStyle/>
-            <a:p>
-              <a:pPr algn="ctr"/>
-              <a:endParaRPr lang="ko-KR" altLang="en-US"/>
-            </a:p>
-          </p:txBody>
-        </p:sp>
-        <p:sp>
-          <p:nvSpPr>
-            <p:cNvPr id="62" name="Pentagon 5"/>
-            <p:cNvSpPr/>
-            <p:nvPr/>
-          </p:nvSpPr>
-          <p:spPr>
-            <a:xfrm>
-              <a:off x="1633824" y="3284701"/>
-              <a:ext cx="5914970" cy="720000"/>
-            </a:xfrm>
-            <a:prstGeom prst="homePlate">
-              <a:avLst/>
-            </a:prstGeom>
-            <a:solidFill>
-              <a:schemeClr val="bg1"/>
-            </a:solidFill>
-            <a:ln w="38100">
-              <a:solidFill>
-                <a:schemeClr val="accent1"/>
-              </a:solidFill>
-            </a:ln>
-          </p:spPr>
-          <p:style>
-            <a:lnRef idx="2">
-              <a:schemeClr val="accent1">
-                <a:shade val="50000"/>
-              </a:schemeClr>
-            </a:lnRef>
-            <a:fillRef idx="1">
-              <a:schemeClr val="accent1"/>
-            </a:fillRef>
-            <a:effectRef idx="0">
-              <a:schemeClr val="accent1"/>
-            </a:effectRef>
-            <a:fontRef idx="minor">
-              <a:schemeClr val="lt1"/>
-            </a:fontRef>
-          </p:style>
-          <p:txBody>
-            <a:bodyPr rot="0" spcFirstLastPara="0" vertOverflow="overflow" horzOverflow="overflow" vert="horz" wrap="square" lIns="91440" tIns="45720" rIns="91440" bIns="45720" numCol="1" spcCol="0" rtlCol="0" fromWordArt="0" anchor="ctr" anchorCtr="0" forceAA="0" compatLnSpc="1">
-              <a:noAutofit/>
-            </a:bodyPr>
-            <a:lstStyle/>
-            <a:p>
-              <a:pPr algn="ctr"/>
-              <a:endParaRPr lang="ko-KR" altLang="en-US"/>
-            </a:p>
-          </p:txBody>
-        </p:sp>
-        <p:sp>
-          <p:nvSpPr>
-            <p:cNvPr id="63" name="Diamond 6"/>
-            <p:cNvSpPr/>
-            <p:nvPr/>
-          </p:nvSpPr>
-          <p:spPr>
-            <a:xfrm>
-              <a:off x="1151472" y="3187501"/>
-              <a:ext cx="914400" cy="914400"/>
-            </a:xfrm>
-            <a:prstGeom prst="diamond">
-              <a:avLst/>
-            </a:prstGeom>
-            <a:solidFill>
-              <a:schemeClr val="accent1"/>
-            </a:solidFill>
-            <a:ln>
-              <a:noFill/>
-            </a:ln>
-          </p:spPr>
-          <p:style>
-            <a:lnRef idx="2">
-              <a:schemeClr val="accent1">
-                <a:shade val="50000"/>
-              </a:schemeClr>
-            </a:lnRef>
-            <a:fillRef idx="1">
-              <a:schemeClr val="accent1"/>
-            </a:fillRef>
-            <a:effectRef idx="0">
-              <a:schemeClr val="accent1"/>
-            </a:effectRef>
-            <a:fontRef idx="minor">
-              <a:schemeClr val="lt1"/>
-            </a:fontRef>
-          </p:style>
-          <p:txBody>
-            <a:bodyPr rot="0" spcFirstLastPara="0" vertOverflow="overflow" horzOverflow="overflow" vert="horz" wrap="square" lIns="91440" tIns="45720" rIns="91440" bIns="45720" numCol="1" spcCol="0" rtlCol="0" fromWordArt="0" anchor="ctr" anchorCtr="0" forceAA="0" compatLnSpc="1">
-              <a:noAutofit/>
-            </a:bodyPr>
-            <a:lstStyle/>
-            <a:p>
-              <a:pPr algn="ctr"/>
-              <a:endParaRPr lang="ko-KR" altLang="en-US" dirty="0"/>
-            </a:p>
-          </p:txBody>
-        </p:sp>
-      </p:grpSp>
-      <p:sp>
-        <p:nvSpPr>
-          <p:cNvPr id="64" name="직사각형 39"/>
+          <p:cNvPr id="4" name="Rectangle 3"/>
           <p:cNvSpPr/>
           <p:nvPr/>
         </p:nvSpPr>
         <p:spPr>
           <a:xfrm>
-            <a:off x="3469640" y="3090545"/>
-            <a:ext cx="441325" cy="521970"/>
+            <a:off x="1546225" y="791210"/>
+            <a:ext cx="9690735" cy="151130"/>
+          </a:xfrm>
+          <a:prstGeom prst="rect">
+            <a:avLst/>
+          </a:prstGeom>
+          <a:solidFill>
+            <a:srgbClr val="00A449"/>
+          </a:solidFill>
+          <a:ln>
+            <a:noFill/>
+          </a:ln>
+        </p:spPr>
+        <p:style>
+          <a:lnRef idx="2">
+            <a:schemeClr val="accent1">
+              <a:shade val="50000"/>
+            </a:schemeClr>
+          </a:lnRef>
+          <a:fillRef idx="1">
+            <a:schemeClr val="accent1"/>
+          </a:fillRef>
+          <a:effectRef idx="0">
+            <a:schemeClr val="accent1"/>
+          </a:effectRef>
+          <a:fontRef idx="minor">
+            <a:schemeClr val="lt1"/>
+          </a:fontRef>
+        </p:style>
+        <p:txBody>
+          <a:bodyPr rot="0" spcFirstLastPara="0" vertOverflow="overflow" horzOverflow="overflow" vert="horz" wrap="square" lIns="121920" tIns="60960" rIns="121920" bIns="60960" numCol="1" spcCol="0" rtlCol="0" fromWordArt="0" anchor="ctr" anchorCtr="0" forceAA="0" compatLnSpc="1">
+            <a:noAutofit/>
+          </a:bodyPr>
+          <a:lstStyle/>
+          <a:p>
+            <a:pPr algn="ctr"/>
+            <a:endParaRPr lang="ko-KR" altLang="en-US" sz="2400"/>
+          </a:p>
+        </p:txBody>
+      </p:sp>
+      <p:sp>
+        <p:nvSpPr>
+          <p:cNvPr id="8" name="Замещающее содержимое 2"/>
+          <p:cNvSpPr>
+            <a:spLocks noGrp="1"/>
+          </p:cNvSpPr>
+          <p:nvPr/>
+        </p:nvSpPr>
+        <p:spPr>
+          <a:xfrm>
+            <a:off x="1630045" y="1334770"/>
+            <a:ext cx="9691370" cy="3636010"/>
           </a:xfrm>
           <a:prstGeom prst="rect">
             <a:avLst/>
           </a:prstGeom>
         </p:spPr>
         <p:txBody>
-          <a:bodyPr wrap="square" anchor="ctr">
-            <a:spAutoFit/>
+          <a:bodyPr vert="horz" lIns="91440" tIns="45720" rIns="91440" bIns="45720" rtlCol="0">
+            <a:noAutofit/>
           </a:bodyPr>
           <a:lstStyle>
-            <a:defPPr>
-              <a:defRPr lang="ko-KR"/>
-            </a:defPPr>
-            <a:lvl1pPr marL="0" algn="l" defTabSz="914400" rtl="0" eaLnBrk="1" latinLnBrk="1" hangingPunct="1">
-              <a:defRPr sz="1800" kern="1200">
+            <a:lvl1pPr marL="0" marR="0" indent="0" algn="l" defTabSz="914400" rtl="0" eaLnBrk="1" fontAlgn="auto" latinLnBrk="0" hangingPunct="1">
+              <a:lnSpc>
+                <a:spcPct val="90000"/>
+              </a:lnSpc>
+              <a:spcBef>
+                <a:spcPts val="1000"/>
+              </a:spcBef>
+              <a:spcAft>
+                <a:spcPts val="0"/>
+              </a:spcAft>
+              <a:buClrTx/>
+              <a:buSzTx/>
+              <a:buFont typeface="Arial" panose="020B0604020202020204" pitchFamily="34" charset="0"/>
+              <a:buNone/>
+              <a:defRPr sz="2800" b="0" kern="1200">
                 <a:solidFill>
-                  <a:schemeClr val="tx1"/>
+                  <a:schemeClr val="tx1">
+                    <a:lumMod val="75000"/>
+                    <a:lumOff val="25000"/>
+                  </a:schemeClr>
                 </a:solidFill>
-                <a:latin typeface="+mn-lt"/>
+                <a:latin typeface="Calibri Light" panose="020F0302020204030204" pitchFamily="34" charset="0"/>
                 <a:ea typeface="+mn-ea"/>
-                <a:cs typeface="+mn-cs"/>
+                <a:cs typeface="Calibri Light" panose="020F0302020204030204" pitchFamily="34" charset="0"/>
               </a:defRPr>
             </a:lvl1pPr>
-            <a:lvl2pPr marL="457200" algn="l" defTabSz="914400" rtl="0" eaLnBrk="1" latinLnBrk="1" hangingPunct="1">
-              <a:defRPr sz="1800" kern="1200">
+            <a:lvl2pPr marL="685800" indent="-228600" algn="l" defTabSz="914400" rtl="0" eaLnBrk="1" latinLnBrk="0" hangingPunct="1">
+              <a:lnSpc>
+                <a:spcPct val="90000"/>
+              </a:lnSpc>
+              <a:spcBef>
+                <a:spcPts val="500"/>
+              </a:spcBef>
+              <a:buFont typeface="Arial" panose="020B0604020202020204" pitchFamily="34" charset="0"/>
+              <a:buChar char="•"/>
+              <a:defRPr sz="2400" kern="1200" baseline="0">
                 <a:solidFill>
-                  <a:schemeClr val="tx1"/>
+                  <a:schemeClr val="tx1">
+                    <a:lumMod val="75000"/>
+                    <a:lumOff val="25000"/>
+                  </a:schemeClr>
                 </a:solidFill>
-                <a:latin typeface="+mn-lt"/>
+                <a:latin typeface="Calibri Light" panose="020F0302020204030204" pitchFamily="34" charset="0"/>
                 <a:ea typeface="+mn-ea"/>
-                <a:cs typeface="+mn-cs"/>
+                <a:cs typeface="Calibri Light" panose="020F0302020204030204" pitchFamily="34" charset="0"/>
               </a:defRPr>
             </a:lvl2pPr>
-            <a:lvl3pPr marL="914400" algn="l" defTabSz="914400" rtl="0" eaLnBrk="1" latinLnBrk="1" hangingPunct="1">
-              <a:defRPr sz="1800" kern="1200">
+            <a:lvl3pPr marL="1143000" indent="-228600" algn="l" defTabSz="914400" rtl="0" eaLnBrk="1" latinLnBrk="0" hangingPunct="1">
+              <a:lnSpc>
+                <a:spcPct val="90000"/>
+              </a:lnSpc>
+              <a:spcBef>
+                <a:spcPts val="500"/>
+              </a:spcBef>
+              <a:buFont typeface="Arial" panose="020B0604020202020204" pitchFamily="34" charset="0"/>
+              <a:buChar char="•"/>
+              <a:defRPr sz="2000" kern="1200" baseline="0">
                 <a:solidFill>
-                  <a:schemeClr val="tx1"/>
+                  <a:schemeClr val="tx1">
+                    <a:lumMod val="75000"/>
+                    <a:lumOff val="25000"/>
+                  </a:schemeClr>
                 </a:solidFill>
-                <a:latin typeface="+mn-lt"/>
+                <a:effectLst/>
+                <a:latin typeface="Calibri Light" panose="020F0302020204030204" pitchFamily="34" charset="0"/>
                 <a:ea typeface="+mn-ea"/>
-                <a:cs typeface="+mn-cs"/>
+                <a:cs typeface="Calibri Light" panose="020F0302020204030204" pitchFamily="34" charset="0"/>
               </a:defRPr>
             </a:lvl3pPr>
-            <a:lvl4pPr marL="1371600" algn="l" defTabSz="914400" rtl="0" eaLnBrk="1" latinLnBrk="1" hangingPunct="1">
-              <a:defRPr sz="1800" kern="1200">
+            <a:lvl4pPr marL="1600200" indent="-228600" algn="l" defTabSz="914400" rtl="0" eaLnBrk="1" latinLnBrk="0" hangingPunct="1">
+              <a:lnSpc>
+                <a:spcPct val="90000"/>
+              </a:lnSpc>
+              <a:spcBef>
+                <a:spcPts val="500"/>
+              </a:spcBef>
+              <a:buFont typeface="Arial" panose="020B0604020202020204" pitchFamily="34" charset="0"/>
+              <a:buChar char="•"/>
+              <a:defRPr sz="1800" kern="1200" baseline="0">
                 <a:solidFill>
-                  <a:schemeClr val="tx1"/>
+                  <a:schemeClr val="tx1">
+                    <a:lumMod val="75000"/>
+                    <a:lumOff val="25000"/>
+                  </a:schemeClr>
                 </a:solidFill>
-                <a:latin typeface="+mn-lt"/>
+                <a:effectLst/>
+                <a:latin typeface="Calibri Light" panose="020F0302020204030204" pitchFamily="34" charset="0"/>
                 <a:ea typeface="+mn-ea"/>
-                <a:cs typeface="+mn-cs"/>
+                <a:cs typeface="Calibri Light" panose="020F0302020204030204" pitchFamily="34" charset="0"/>
               </a:defRPr>
             </a:lvl4pPr>
-            <a:lvl5pPr marL="1828800" algn="l" defTabSz="914400" rtl="0" eaLnBrk="1" latinLnBrk="1" hangingPunct="1">
-              <a:defRPr sz="1800" kern="1200">
+            <a:lvl5pPr marL="2057400" indent="-228600" algn="l" defTabSz="914400" rtl="0" eaLnBrk="1" latinLnBrk="0" hangingPunct="1">
+              <a:lnSpc>
+                <a:spcPct val="90000"/>
+              </a:lnSpc>
+              <a:spcBef>
+                <a:spcPts val="500"/>
+              </a:spcBef>
+              <a:buFont typeface="Arial" panose="020B0604020202020204" pitchFamily="34" charset="0"/>
+              <a:buChar char="•"/>
+              <a:defRPr sz="1800" kern="1200" baseline="0">
                 <a:solidFill>
-                  <a:schemeClr val="tx1"/>
+                  <a:schemeClr val="tx1">
+                    <a:lumMod val="75000"/>
+                    <a:lumOff val="25000"/>
+                  </a:schemeClr>
                 </a:solidFill>
-                <a:latin typeface="+mn-lt"/>
+                <a:effectLst/>
+                <a:latin typeface="Calibri Light" panose="020F0302020204030204" pitchFamily="34" charset="0"/>
                 <a:ea typeface="+mn-ea"/>
-                <a:cs typeface="+mn-cs"/>
+                <a:cs typeface="Calibri Light" panose="020F0302020204030204" pitchFamily="34" charset="0"/>
               </a:defRPr>
             </a:lvl5pPr>
-            <a:lvl6pPr marL="2286000" algn="l" defTabSz="914400" rtl="0" eaLnBrk="1" latinLnBrk="1" hangingPunct="1">
+            <a:lvl6pPr marL="2514600" indent="-228600" algn="l" defTabSz="914400" rtl="0" eaLnBrk="1" latinLnBrk="0" hangingPunct="1">
+              <a:lnSpc>
+                <a:spcPct val="90000"/>
+              </a:lnSpc>
+              <a:spcBef>
+                <a:spcPts val="500"/>
+              </a:spcBef>
+              <a:buFont typeface="Arial" panose="020B0604020202020204" pitchFamily="34" charset="0"/>
+              <a:buChar char="•"/>
               <a:defRPr sz="1800" kern="1200">
                 <a:solidFill>
                   <a:schemeClr val="tx1"/>
@@ -9169,7 +8962,15 @@
                 <a:cs typeface="+mn-cs"/>
               </a:defRPr>
             </a:lvl6pPr>
-            <a:lvl7pPr marL="2743200" algn="l" defTabSz="914400" rtl="0" eaLnBrk="1" latinLnBrk="1" hangingPunct="1">
+            <a:lvl7pPr marL="2971800" indent="-228600" algn="l" defTabSz="914400" rtl="0" eaLnBrk="1" latinLnBrk="0" hangingPunct="1">
+              <a:lnSpc>
+                <a:spcPct val="90000"/>
+              </a:lnSpc>
+              <a:spcBef>
+                <a:spcPts val="500"/>
+              </a:spcBef>
+              <a:buFont typeface="Arial" panose="020B0604020202020204" pitchFamily="34" charset="0"/>
+              <a:buChar char="•"/>
               <a:defRPr sz="1800" kern="1200">
                 <a:solidFill>
                   <a:schemeClr val="tx1"/>
@@ -9179,7 +8980,15 @@
                 <a:cs typeface="+mn-cs"/>
               </a:defRPr>
             </a:lvl7pPr>
-            <a:lvl8pPr marL="3200400" algn="l" defTabSz="914400" rtl="0" eaLnBrk="1" latinLnBrk="1" hangingPunct="1">
+            <a:lvl8pPr marL="3429000" indent="-228600" algn="l" defTabSz="914400" rtl="0" eaLnBrk="1" latinLnBrk="0" hangingPunct="1">
+              <a:lnSpc>
+                <a:spcPct val="90000"/>
+              </a:lnSpc>
+              <a:spcBef>
+                <a:spcPts val="500"/>
+              </a:spcBef>
+              <a:buFont typeface="Arial" panose="020B0604020202020204" pitchFamily="34" charset="0"/>
+              <a:buChar char="•"/>
               <a:defRPr sz="1800" kern="1200">
                 <a:solidFill>
                   <a:schemeClr val="tx1"/>
@@ -9189,7 +8998,15 @@
                 <a:cs typeface="+mn-cs"/>
               </a:defRPr>
             </a:lvl8pPr>
-            <a:lvl9pPr marL="3657600" algn="l" defTabSz="914400" rtl="0" eaLnBrk="1" latinLnBrk="1" hangingPunct="1">
+            <a:lvl9pPr marL="3886200" indent="-228600" algn="l" defTabSz="914400" rtl="0" eaLnBrk="1" latinLnBrk="0" hangingPunct="1">
+              <a:lnSpc>
+                <a:spcPct val="90000"/>
+              </a:lnSpc>
+              <a:spcBef>
+                <a:spcPts val="500"/>
+              </a:spcBef>
+              <a:buFont typeface="Arial" panose="020B0604020202020204" pitchFamily="34" charset="0"/>
+              <a:buChar char="•"/>
               <a:defRPr sz="1800" kern="1200">
                 <a:solidFill>
                   <a:schemeClr val="tx1"/>
@@ -9201,1474 +9018,195 @@
             </a:lvl9pPr>
           </a:lstStyle>
           <a:p>
-            <a:pPr algn="ctr">
-              <a:defRPr/>
+            <a:pPr>
+              <a:lnSpc>
+                <a:spcPct val="90000"/>
+              </a:lnSpc>
+              <a:spcBef>
+                <a:spcPts val="0"/>
+              </a:spcBef>
+              <a:spcAft>
+                <a:spcPts val="300"/>
+              </a:spcAft>
             </a:pPr>
             <a:r>
-              <a:rPr lang="en-US" altLang="ko-KR" sz="2800" b="1" dirty="0">
-                <a:solidFill>
-                  <a:schemeClr val="bg1"/>
-                </a:solidFill>
-                <a:cs typeface="Arial" panose="020B0604020202020204" pitchFamily="34" charset="0"/>
-              </a:rPr>
-              <a:t>1 </a:t>
-            </a:r>
-            <a:endParaRPr lang="ko-KR" altLang="en-US" sz="2800" dirty="0">
-              <a:solidFill>
-                <a:schemeClr val="bg1"/>
-              </a:solidFill>
-            </a:endParaRPr>
-          </a:p>
-        </p:txBody>
-      </p:sp>
-      <p:sp>
-        <p:nvSpPr>
-          <p:cNvPr id="66" name="TextBox 10"/>
-          <p:cNvSpPr txBox="1"/>
-          <p:nvPr/>
-        </p:nvSpPr>
-        <p:spPr bwMode="auto">
-          <a:xfrm>
-            <a:off x="4384040" y="3197225"/>
-            <a:ext cx="5206365" cy="291465"/>
-          </a:xfrm>
-          <a:prstGeom prst="rect">
-            <a:avLst/>
-          </a:prstGeom>
-          <a:noFill/>
-          <a:effectLst/>
-        </p:spPr>
-        <p:txBody>
-          <a:bodyPr wrap="square">
-            <a:spAutoFit/>
-          </a:bodyPr>
-          <a:lstStyle>
-            <a:defPPr>
-              <a:defRPr lang="ko-KR"/>
-            </a:defPPr>
-            <a:lvl1pPr marL="0" algn="l" defTabSz="914400" rtl="0" eaLnBrk="1" latinLnBrk="1" hangingPunct="1">
-              <a:defRPr sz="1800" kern="1200">
-                <a:solidFill>
-                  <a:schemeClr val="tx1"/>
-                </a:solidFill>
-                <a:latin typeface="+mn-lt"/>
-                <a:ea typeface="+mn-ea"/>
-                <a:cs typeface="+mn-cs"/>
-              </a:defRPr>
-            </a:lvl1pPr>
-            <a:lvl2pPr marL="457200" algn="l" defTabSz="914400" rtl="0" eaLnBrk="1" latinLnBrk="1" hangingPunct="1">
-              <a:defRPr sz="1800" kern="1200">
-                <a:solidFill>
-                  <a:schemeClr val="tx1"/>
-                </a:solidFill>
-                <a:latin typeface="+mn-lt"/>
-                <a:ea typeface="+mn-ea"/>
-                <a:cs typeface="+mn-cs"/>
-              </a:defRPr>
-            </a:lvl2pPr>
-            <a:lvl3pPr marL="914400" algn="l" defTabSz="914400" rtl="0" eaLnBrk="1" latinLnBrk="1" hangingPunct="1">
-              <a:defRPr sz="1800" kern="1200">
-                <a:solidFill>
-                  <a:schemeClr val="tx1"/>
-                </a:solidFill>
-                <a:latin typeface="+mn-lt"/>
-                <a:ea typeface="+mn-ea"/>
-                <a:cs typeface="+mn-cs"/>
-              </a:defRPr>
-            </a:lvl3pPr>
-            <a:lvl4pPr marL="1371600" algn="l" defTabSz="914400" rtl="0" eaLnBrk="1" latinLnBrk="1" hangingPunct="1">
-              <a:defRPr sz="1800" kern="1200">
-                <a:solidFill>
-                  <a:schemeClr val="tx1"/>
-                </a:solidFill>
-                <a:latin typeface="+mn-lt"/>
-                <a:ea typeface="+mn-ea"/>
-                <a:cs typeface="+mn-cs"/>
-              </a:defRPr>
-            </a:lvl4pPr>
-            <a:lvl5pPr marL="1828800" algn="l" defTabSz="914400" rtl="0" eaLnBrk="1" latinLnBrk="1" hangingPunct="1">
-              <a:defRPr sz="1800" kern="1200">
-                <a:solidFill>
-                  <a:schemeClr val="tx1"/>
-                </a:solidFill>
-                <a:latin typeface="+mn-lt"/>
-                <a:ea typeface="+mn-ea"/>
-                <a:cs typeface="+mn-cs"/>
-              </a:defRPr>
-            </a:lvl5pPr>
-            <a:lvl6pPr marL="2286000" algn="l" defTabSz="914400" rtl="0" eaLnBrk="1" latinLnBrk="1" hangingPunct="1">
-              <a:defRPr sz="1800" kern="1200">
-                <a:solidFill>
-                  <a:schemeClr val="tx1"/>
-                </a:solidFill>
-                <a:latin typeface="+mn-lt"/>
-                <a:ea typeface="+mn-ea"/>
-                <a:cs typeface="+mn-cs"/>
-              </a:defRPr>
-            </a:lvl6pPr>
-            <a:lvl7pPr marL="2743200" algn="l" defTabSz="914400" rtl="0" eaLnBrk="1" latinLnBrk="1" hangingPunct="1">
-              <a:defRPr sz="1800" kern="1200">
-                <a:solidFill>
-                  <a:schemeClr val="tx1"/>
-                </a:solidFill>
-                <a:latin typeface="+mn-lt"/>
-                <a:ea typeface="+mn-ea"/>
-                <a:cs typeface="+mn-cs"/>
-              </a:defRPr>
-            </a:lvl7pPr>
-            <a:lvl8pPr marL="3200400" algn="l" defTabSz="914400" rtl="0" eaLnBrk="1" latinLnBrk="1" hangingPunct="1">
-              <a:defRPr sz="1800" kern="1200">
-                <a:solidFill>
-                  <a:schemeClr val="tx1"/>
-                </a:solidFill>
-                <a:latin typeface="+mn-lt"/>
-                <a:ea typeface="+mn-ea"/>
-                <a:cs typeface="+mn-cs"/>
-              </a:defRPr>
-            </a:lvl8pPr>
-            <a:lvl9pPr marL="3657600" algn="l" defTabSz="914400" rtl="0" eaLnBrk="1" latinLnBrk="1" hangingPunct="1">
-              <a:defRPr sz="1800" kern="1200">
-                <a:solidFill>
-                  <a:schemeClr val="tx1"/>
-                </a:solidFill>
-                <a:latin typeface="+mn-lt"/>
-                <a:ea typeface="+mn-ea"/>
-                <a:cs typeface="+mn-cs"/>
-              </a:defRPr>
-            </a:lvl9pPr>
-          </a:lstStyle>
-          <a:p>
-            <a:pPr>
-              <a:defRPr/>
-            </a:pPr>
-            <a:r>
-              <a:rPr lang="ru-RU" altLang="en-US" sz="1300" b="1">
+              <a:rPr lang="ru-RU" altLang="en-US" sz="2200" b="1">
                 <a:latin typeface="Arial" panose="020B0604020202020204" pitchFamily="34" charset="0"/>
                 <a:cs typeface="Arial" panose="020B0604020202020204" pitchFamily="34" charset="0"/>
                 <a:sym typeface="+mn-ea"/>
               </a:rPr>
-              <a:t>Постройте max-heap из входных данных</a:t>
-            </a:r>
-            <a:endParaRPr lang="ru-RU" altLang="en-US" sz="1300" b="1" dirty="0">
-              <a:solidFill>
-                <a:schemeClr val="tx1">
-                  <a:lumMod val="75000"/>
-                  <a:lumOff val="25000"/>
-                </a:schemeClr>
-              </a:solidFill>
+              <a:t>Законченное двоичное дерево</a:t>
+            </a:r>
+            <a:r>
+              <a:rPr lang="ru-RU" altLang="en-US" sz="2200">
+                <a:latin typeface="Arial" panose="020B0604020202020204" pitchFamily="34" charset="0"/>
+                <a:cs typeface="Arial" panose="020B0604020202020204" pitchFamily="34" charset="0"/>
+                <a:sym typeface="+mn-ea"/>
+              </a:rPr>
+              <a:t> — это двоичное дерево, в котором каждый уровень, за исключением последнего, имеет полный набор узлов, и все листья расположены как можно левее.</a:t>
+            </a:r>
+            <a:endParaRPr lang="ru-RU" altLang="en-US" sz="2200">
+              <a:latin typeface="Arial" panose="020B0604020202020204" pitchFamily="34" charset="0"/>
+              <a:cs typeface="Arial" panose="020B0604020202020204" pitchFamily="34" charset="0"/>
+            </a:endParaRPr>
+          </a:p>
+          <a:p>
+            <a:pPr>
+              <a:lnSpc>
+                <a:spcPct val="90000"/>
+              </a:lnSpc>
+              <a:spcBef>
+                <a:spcPts val="0"/>
+              </a:spcBef>
+              <a:spcAft>
+                <a:spcPts val="300"/>
+              </a:spcAft>
+            </a:pPr>
+            <a:r>
+              <a:rPr lang="ru-RU" altLang="en-US" sz="2200" b="1">
+                <a:latin typeface="Arial" panose="020B0604020202020204" pitchFamily="34" charset="0"/>
+                <a:cs typeface="Arial" panose="020B0604020202020204" pitchFamily="34" charset="0"/>
+                <a:sym typeface="+mn-ea"/>
+              </a:rPr>
+              <a:t>Двоичная куча</a:t>
+            </a:r>
+            <a:r>
+              <a:rPr lang="ru-RU" altLang="en-US" sz="2200">
+                <a:latin typeface="Arial" panose="020B0604020202020204" pitchFamily="34" charset="0"/>
+                <a:cs typeface="Arial" panose="020B0604020202020204" pitchFamily="34" charset="0"/>
+                <a:sym typeface="+mn-ea"/>
+              </a:rPr>
+              <a:t> — это законченное двоичное дерево, в котором элементы хранятся в особом порядке: значение в родительском узле больше (или меньше) значений в его двух дочерних узлах. Куча может быть представлена двоичным деревом или массивом.</a:t>
+            </a:r>
+            <a:endParaRPr lang="ru-RU" altLang="en-US" sz="2200">
               <a:latin typeface="Arial" panose="020B0604020202020204" pitchFamily="34" charset="0"/>
               <a:cs typeface="Arial" panose="020B0604020202020204" pitchFamily="34" charset="0"/>
               <a:sym typeface="+mn-ea"/>
             </a:endParaRPr>
           </a:p>
-        </p:txBody>
-      </p:sp>
-      <p:grpSp>
-        <p:nvGrpSpPr>
-          <p:cNvPr id="68" name="Group 11"/>
-          <p:cNvGrpSpPr/>
-          <p:nvPr/>
-        </p:nvGrpSpPr>
-        <p:grpSpPr>
-          <a:xfrm>
-            <a:off x="3225165" y="3788410"/>
-            <a:ext cx="7179310" cy="970280"/>
-            <a:chOff x="1151472" y="3187501"/>
-            <a:chExt cx="6552728" cy="914400"/>
-          </a:xfrm>
-        </p:grpSpPr>
-        <p:sp>
-          <p:nvSpPr>
-            <p:cNvPr id="69" name="Pentagon 12"/>
-            <p:cNvSpPr/>
-            <p:nvPr/>
-          </p:nvSpPr>
-          <p:spPr>
-            <a:xfrm>
-              <a:off x="1633824" y="3347030"/>
-              <a:ext cx="6070376" cy="720000"/>
-            </a:xfrm>
-            <a:prstGeom prst="homePlate">
-              <a:avLst/>
-            </a:prstGeom>
-            <a:solidFill>
-              <a:schemeClr val="accent2"/>
-            </a:solidFill>
-            <a:ln>
-              <a:noFill/>
-            </a:ln>
-          </p:spPr>
-          <p:style>
-            <a:lnRef idx="2">
-              <a:schemeClr val="accent1">
-                <a:shade val="50000"/>
-              </a:schemeClr>
-            </a:lnRef>
-            <a:fillRef idx="1">
-              <a:schemeClr val="accent1"/>
-            </a:fillRef>
-            <a:effectRef idx="0">
-              <a:schemeClr val="accent1"/>
-            </a:effectRef>
-            <a:fontRef idx="minor">
-              <a:schemeClr val="lt1"/>
-            </a:fontRef>
-          </p:style>
-          <p:txBody>
-            <a:bodyPr rot="0" spcFirstLastPara="0" vertOverflow="overflow" horzOverflow="overflow" vert="horz" wrap="square" lIns="91440" tIns="45720" rIns="91440" bIns="45720" numCol="1" spcCol="0" rtlCol="0" fromWordArt="0" anchor="ctr" anchorCtr="0" forceAA="0" compatLnSpc="1">
-              <a:noAutofit/>
-            </a:bodyPr>
-            <a:lstStyle/>
-            <a:p>
-              <a:pPr algn="ctr"/>
-              <a:endParaRPr lang="ko-KR" altLang="en-US"/>
-            </a:p>
-          </p:txBody>
-        </p:sp>
-        <p:sp>
-          <p:nvSpPr>
-            <p:cNvPr id="70" name="Pentagon 13"/>
-            <p:cNvSpPr/>
-            <p:nvPr/>
-          </p:nvSpPr>
-          <p:spPr>
-            <a:xfrm>
-              <a:off x="1633824" y="3284701"/>
-              <a:ext cx="5914970" cy="720000"/>
-            </a:xfrm>
-            <a:prstGeom prst="homePlate">
-              <a:avLst/>
-            </a:prstGeom>
-            <a:solidFill>
-              <a:schemeClr val="bg1"/>
-            </a:solidFill>
-            <a:ln w="38100">
-              <a:solidFill>
-                <a:schemeClr val="accent2"/>
-              </a:solidFill>
-            </a:ln>
-          </p:spPr>
-          <p:style>
-            <a:lnRef idx="2">
-              <a:schemeClr val="accent1">
-                <a:shade val="50000"/>
-              </a:schemeClr>
-            </a:lnRef>
-            <a:fillRef idx="1">
-              <a:schemeClr val="accent1"/>
-            </a:fillRef>
-            <a:effectRef idx="0">
-              <a:schemeClr val="accent1"/>
-            </a:effectRef>
-            <a:fontRef idx="minor">
-              <a:schemeClr val="lt1"/>
-            </a:fontRef>
-          </p:style>
-          <p:txBody>
-            <a:bodyPr rot="0" spcFirstLastPara="0" vertOverflow="overflow" horzOverflow="overflow" vert="horz" wrap="square" lIns="91440" tIns="45720" rIns="91440" bIns="45720" numCol="1" spcCol="0" rtlCol="0" fromWordArt="0" anchor="ctr" anchorCtr="0" forceAA="0" compatLnSpc="1">
-              <a:noAutofit/>
-            </a:bodyPr>
-            <a:lstStyle/>
-            <a:p>
-              <a:pPr algn="ctr"/>
-              <a:endParaRPr lang="ko-KR" altLang="en-US"/>
-            </a:p>
-          </p:txBody>
-        </p:sp>
-        <p:sp>
-          <p:nvSpPr>
-            <p:cNvPr id="71" name="Diamond 14"/>
-            <p:cNvSpPr/>
-            <p:nvPr/>
-          </p:nvSpPr>
-          <p:spPr>
-            <a:xfrm>
-              <a:off x="1151472" y="3187501"/>
-              <a:ext cx="914400" cy="914400"/>
-            </a:xfrm>
-            <a:prstGeom prst="diamond">
-              <a:avLst/>
-            </a:prstGeom>
-            <a:solidFill>
-              <a:schemeClr val="accent2"/>
-            </a:solidFill>
-            <a:ln>
-              <a:noFill/>
-            </a:ln>
-          </p:spPr>
-          <p:style>
-            <a:lnRef idx="2">
-              <a:schemeClr val="accent1">
-                <a:shade val="50000"/>
-              </a:schemeClr>
-            </a:lnRef>
-            <a:fillRef idx="1">
-              <a:schemeClr val="accent1"/>
-            </a:fillRef>
-            <a:effectRef idx="0">
-              <a:schemeClr val="accent1"/>
-            </a:effectRef>
-            <a:fontRef idx="minor">
-              <a:schemeClr val="lt1"/>
-            </a:fontRef>
-          </p:style>
-          <p:txBody>
-            <a:bodyPr rot="0" spcFirstLastPara="0" vertOverflow="overflow" horzOverflow="overflow" vert="horz" wrap="square" lIns="91440" tIns="45720" rIns="91440" bIns="45720" numCol="1" spcCol="0" rtlCol="0" fromWordArt="0" anchor="ctr" anchorCtr="0" forceAA="0" compatLnSpc="1">
-              <a:noAutofit/>
-            </a:bodyPr>
-            <a:lstStyle/>
-            <a:p>
-              <a:pPr algn="ctr"/>
-              <a:endParaRPr lang="ko-KR" altLang="en-US"/>
-            </a:p>
-          </p:txBody>
-        </p:sp>
-      </p:grpSp>
-      <p:grpSp>
-        <p:nvGrpSpPr>
-          <p:cNvPr id="72" name="Group 15"/>
-          <p:cNvGrpSpPr/>
-          <p:nvPr/>
-        </p:nvGrpSpPr>
-        <p:grpSpPr>
-          <a:xfrm>
-            <a:off x="3221990" y="4711700"/>
-            <a:ext cx="7179310" cy="970280"/>
-            <a:chOff x="1151472" y="3187501"/>
-            <a:chExt cx="6552728" cy="914400"/>
-          </a:xfrm>
-        </p:grpSpPr>
-        <p:sp>
-          <p:nvSpPr>
-            <p:cNvPr id="73" name="Pentagon 16"/>
-            <p:cNvSpPr/>
-            <p:nvPr/>
-          </p:nvSpPr>
-          <p:spPr>
-            <a:xfrm>
-              <a:off x="1633824" y="3347030"/>
-              <a:ext cx="6070376" cy="720000"/>
-            </a:xfrm>
-            <a:prstGeom prst="homePlate">
-              <a:avLst/>
-            </a:prstGeom>
-            <a:solidFill>
-              <a:schemeClr val="accent3"/>
-            </a:solidFill>
-            <a:ln>
-              <a:noFill/>
-            </a:ln>
-          </p:spPr>
-          <p:style>
-            <a:lnRef idx="2">
-              <a:schemeClr val="accent1">
-                <a:shade val="50000"/>
-              </a:schemeClr>
-            </a:lnRef>
-            <a:fillRef idx="1">
-              <a:schemeClr val="accent1"/>
-            </a:fillRef>
-            <a:effectRef idx="0">
-              <a:schemeClr val="accent1"/>
-            </a:effectRef>
-            <a:fontRef idx="minor">
-              <a:schemeClr val="lt1"/>
-            </a:fontRef>
-          </p:style>
-          <p:txBody>
-            <a:bodyPr rot="0" spcFirstLastPara="0" vertOverflow="overflow" horzOverflow="overflow" vert="horz" wrap="square" lIns="91440" tIns="45720" rIns="91440" bIns="45720" numCol="1" spcCol="0" rtlCol="0" fromWordArt="0" anchor="ctr" anchorCtr="0" forceAA="0" compatLnSpc="1">
-              <a:noAutofit/>
-            </a:bodyPr>
-            <a:lstStyle/>
-            <a:p>
-              <a:pPr algn="ctr"/>
-              <a:endParaRPr lang="ko-KR" altLang="en-US"/>
-            </a:p>
-          </p:txBody>
-        </p:sp>
-        <p:sp>
-          <p:nvSpPr>
-            <p:cNvPr id="74" name="Pentagon 17"/>
-            <p:cNvSpPr/>
-            <p:nvPr/>
-          </p:nvSpPr>
-          <p:spPr>
-            <a:xfrm>
-              <a:off x="1633824" y="3284701"/>
-              <a:ext cx="5914970" cy="720000"/>
-            </a:xfrm>
-            <a:prstGeom prst="homePlate">
-              <a:avLst/>
-            </a:prstGeom>
-            <a:solidFill>
-              <a:schemeClr val="bg1"/>
-            </a:solidFill>
-            <a:ln w="38100">
-              <a:solidFill>
-                <a:schemeClr val="accent3"/>
-              </a:solidFill>
-            </a:ln>
-          </p:spPr>
-          <p:style>
-            <a:lnRef idx="2">
-              <a:schemeClr val="accent1">
-                <a:shade val="50000"/>
-              </a:schemeClr>
-            </a:lnRef>
-            <a:fillRef idx="1">
-              <a:schemeClr val="accent1"/>
-            </a:fillRef>
-            <a:effectRef idx="0">
-              <a:schemeClr val="accent1"/>
-            </a:effectRef>
-            <a:fontRef idx="minor">
-              <a:schemeClr val="lt1"/>
-            </a:fontRef>
-          </p:style>
-          <p:txBody>
-            <a:bodyPr rot="0" spcFirstLastPara="0" vertOverflow="overflow" horzOverflow="overflow" vert="horz" wrap="square" lIns="91440" tIns="45720" rIns="91440" bIns="45720" numCol="1" spcCol="0" rtlCol="0" fromWordArt="0" anchor="ctr" anchorCtr="0" forceAA="0" compatLnSpc="1">
-              <a:noAutofit/>
-            </a:bodyPr>
-            <a:lstStyle/>
-            <a:p>
-              <a:pPr algn="ctr"/>
-              <a:endParaRPr lang="ko-KR" altLang="en-US"/>
-            </a:p>
-          </p:txBody>
-        </p:sp>
-        <p:sp>
-          <p:nvSpPr>
-            <p:cNvPr id="75" name="Diamond 18"/>
-            <p:cNvSpPr/>
-            <p:nvPr/>
-          </p:nvSpPr>
-          <p:spPr>
-            <a:xfrm>
-              <a:off x="1151472" y="3187501"/>
-              <a:ext cx="914400" cy="914400"/>
-            </a:xfrm>
-            <a:prstGeom prst="diamond">
-              <a:avLst/>
-            </a:prstGeom>
-            <a:solidFill>
-              <a:schemeClr val="accent3"/>
-            </a:solidFill>
-            <a:ln>
-              <a:noFill/>
-            </a:ln>
-          </p:spPr>
-          <p:style>
-            <a:lnRef idx="2">
-              <a:schemeClr val="accent1">
-                <a:shade val="50000"/>
-              </a:schemeClr>
-            </a:lnRef>
-            <a:fillRef idx="1">
-              <a:schemeClr val="accent1"/>
-            </a:fillRef>
-            <a:effectRef idx="0">
-              <a:schemeClr val="accent1"/>
-            </a:effectRef>
-            <a:fontRef idx="minor">
-              <a:schemeClr val="lt1"/>
-            </a:fontRef>
-          </p:style>
-          <p:txBody>
-            <a:bodyPr rot="0" spcFirstLastPara="0" vertOverflow="overflow" horzOverflow="overflow" vert="horz" wrap="square" lIns="91440" tIns="45720" rIns="91440" bIns="45720" numCol="1" spcCol="0" rtlCol="0" fromWordArt="0" anchor="ctr" anchorCtr="0" forceAA="0" compatLnSpc="1">
-              <a:noAutofit/>
-            </a:bodyPr>
-            <a:lstStyle/>
-            <a:p>
-              <a:pPr algn="ctr"/>
-              <a:endParaRPr lang="ko-KR" altLang="en-US" dirty="0"/>
-            </a:p>
-          </p:txBody>
-        </p:sp>
-      </p:grpSp>
-      <p:grpSp>
-        <p:nvGrpSpPr>
-          <p:cNvPr id="76" name="Group 19"/>
-          <p:cNvGrpSpPr/>
-          <p:nvPr/>
-        </p:nvGrpSpPr>
-        <p:grpSpPr>
-          <a:xfrm>
-            <a:off x="3218815" y="5634355"/>
-            <a:ext cx="7179310" cy="970280"/>
-            <a:chOff x="1151472" y="3187501"/>
-            <a:chExt cx="6552728" cy="914400"/>
-          </a:xfrm>
-        </p:grpSpPr>
-        <p:sp>
-          <p:nvSpPr>
-            <p:cNvPr id="77" name="Pentagon 20"/>
-            <p:cNvSpPr/>
-            <p:nvPr/>
-          </p:nvSpPr>
-          <p:spPr>
-            <a:xfrm>
-              <a:off x="1633824" y="3347030"/>
-              <a:ext cx="6070376" cy="720000"/>
-            </a:xfrm>
-            <a:prstGeom prst="homePlate">
-              <a:avLst/>
-            </a:prstGeom>
-            <a:solidFill>
-              <a:schemeClr val="accent4"/>
-            </a:solidFill>
-            <a:ln>
-              <a:noFill/>
-            </a:ln>
-          </p:spPr>
-          <p:style>
-            <a:lnRef idx="2">
-              <a:schemeClr val="accent1">
-                <a:shade val="50000"/>
-              </a:schemeClr>
-            </a:lnRef>
-            <a:fillRef idx="1">
-              <a:schemeClr val="accent1"/>
-            </a:fillRef>
-            <a:effectRef idx="0">
-              <a:schemeClr val="accent1"/>
-            </a:effectRef>
-            <a:fontRef idx="minor">
-              <a:schemeClr val="lt1"/>
-            </a:fontRef>
-          </p:style>
-          <p:txBody>
-            <a:bodyPr rot="0" spcFirstLastPara="0" vertOverflow="overflow" horzOverflow="overflow" vert="horz" wrap="square" lIns="91440" tIns="45720" rIns="91440" bIns="45720" numCol="1" spcCol="0" rtlCol="0" fromWordArt="0" anchor="ctr" anchorCtr="0" forceAA="0" compatLnSpc="1">
-              <a:noAutofit/>
-            </a:bodyPr>
-            <a:lstStyle/>
-            <a:p>
-              <a:pPr algn="ctr"/>
-              <a:endParaRPr lang="ko-KR" altLang="en-US"/>
-            </a:p>
-          </p:txBody>
-        </p:sp>
-        <p:sp>
-          <p:nvSpPr>
-            <p:cNvPr id="78" name="Pentagon 21"/>
-            <p:cNvSpPr/>
-            <p:nvPr/>
-          </p:nvSpPr>
-          <p:spPr>
-            <a:xfrm>
-              <a:off x="1633824" y="3284701"/>
-              <a:ext cx="5914970" cy="720000"/>
-            </a:xfrm>
-            <a:prstGeom prst="homePlate">
-              <a:avLst/>
-            </a:prstGeom>
-            <a:solidFill>
-              <a:schemeClr val="bg1"/>
-            </a:solidFill>
-            <a:ln w="38100">
-              <a:solidFill>
-                <a:schemeClr val="accent4"/>
-              </a:solidFill>
-            </a:ln>
-          </p:spPr>
-          <p:style>
-            <a:lnRef idx="2">
-              <a:schemeClr val="accent1">
-                <a:shade val="50000"/>
-              </a:schemeClr>
-            </a:lnRef>
-            <a:fillRef idx="1">
-              <a:schemeClr val="accent1"/>
-            </a:fillRef>
-            <a:effectRef idx="0">
-              <a:schemeClr val="accent1"/>
-            </a:effectRef>
-            <a:fontRef idx="minor">
-              <a:schemeClr val="lt1"/>
-            </a:fontRef>
-          </p:style>
-          <p:txBody>
-            <a:bodyPr rot="0" spcFirstLastPara="0" vertOverflow="overflow" horzOverflow="overflow" vert="horz" wrap="square" lIns="91440" tIns="45720" rIns="91440" bIns="45720" numCol="1" spcCol="0" rtlCol="0" fromWordArt="0" anchor="ctr" anchorCtr="0" forceAA="0" compatLnSpc="1">
-              <a:noAutofit/>
-            </a:bodyPr>
-            <a:lstStyle/>
-            <a:p>
-              <a:pPr algn="ctr"/>
-              <a:endParaRPr lang="ko-KR" altLang="en-US"/>
-            </a:p>
-          </p:txBody>
-        </p:sp>
-        <p:sp>
-          <p:nvSpPr>
-            <p:cNvPr id="79" name="Diamond 22"/>
-            <p:cNvSpPr/>
-            <p:nvPr/>
-          </p:nvSpPr>
-          <p:spPr>
-            <a:xfrm>
-              <a:off x="1151472" y="3187501"/>
-              <a:ext cx="914400" cy="914400"/>
-            </a:xfrm>
-            <a:prstGeom prst="diamond">
-              <a:avLst/>
-            </a:prstGeom>
-            <a:solidFill>
-              <a:schemeClr val="accent4"/>
-            </a:solidFill>
-            <a:ln>
-              <a:noFill/>
-            </a:ln>
-          </p:spPr>
-          <p:style>
-            <a:lnRef idx="2">
-              <a:schemeClr val="accent1">
-                <a:shade val="50000"/>
-              </a:schemeClr>
-            </a:lnRef>
-            <a:fillRef idx="1">
-              <a:schemeClr val="accent1"/>
-            </a:fillRef>
-            <a:effectRef idx="0">
-              <a:schemeClr val="accent1"/>
-            </a:effectRef>
-            <a:fontRef idx="minor">
-              <a:schemeClr val="lt1"/>
-            </a:fontRef>
-          </p:style>
-          <p:txBody>
-            <a:bodyPr rot="0" spcFirstLastPara="0" vertOverflow="overflow" horzOverflow="overflow" vert="horz" wrap="square" lIns="91440" tIns="45720" rIns="91440" bIns="45720" numCol="1" spcCol="0" rtlCol="0" fromWordArt="0" anchor="ctr" anchorCtr="0" forceAA="0" compatLnSpc="1">
-              <a:noAutofit/>
-            </a:bodyPr>
-            <a:lstStyle/>
-            <a:p>
-              <a:pPr algn="ctr"/>
-              <a:endParaRPr lang="ko-KR" altLang="en-US"/>
-            </a:p>
-          </p:txBody>
-        </p:sp>
-      </p:grpSp>
-      <p:sp>
-        <p:nvSpPr>
-          <p:cNvPr id="80" name="직사각형 39"/>
-          <p:cNvSpPr/>
-          <p:nvPr/>
-        </p:nvSpPr>
-        <p:spPr>
-          <a:xfrm>
-            <a:off x="3469640" y="4015105"/>
-            <a:ext cx="441325" cy="521970"/>
-          </a:xfrm>
-          <a:prstGeom prst="rect">
-            <a:avLst/>
-          </a:prstGeom>
-        </p:spPr>
-        <p:txBody>
-          <a:bodyPr wrap="square" anchor="ctr">
-            <a:spAutoFit/>
-          </a:bodyPr>
-          <a:lstStyle>
-            <a:defPPr>
-              <a:defRPr lang="ko-KR"/>
-            </a:defPPr>
-            <a:lvl1pPr marL="0" algn="l" defTabSz="914400" rtl="0" eaLnBrk="1" latinLnBrk="1" hangingPunct="1">
-              <a:defRPr sz="1800" kern="1200">
-                <a:solidFill>
-                  <a:schemeClr val="tx1"/>
-                </a:solidFill>
-                <a:latin typeface="+mn-lt"/>
-                <a:ea typeface="+mn-ea"/>
-                <a:cs typeface="+mn-cs"/>
-              </a:defRPr>
-            </a:lvl1pPr>
-            <a:lvl2pPr marL="457200" algn="l" defTabSz="914400" rtl="0" eaLnBrk="1" latinLnBrk="1" hangingPunct="1">
-              <a:defRPr sz="1800" kern="1200">
-                <a:solidFill>
-                  <a:schemeClr val="tx1"/>
-                </a:solidFill>
-                <a:latin typeface="+mn-lt"/>
-                <a:ea typeface="+mn-ea"/>
-                <a:cs typeface="+mn-cs"/>
-              </a:defRPr>
-            </a:lvl2pPr>
-            <a:lvl3pPr marL="914400" algn="l" defTabSz="914400" rtl="0" eaLnBrk="1" latinLnBrk="1" hangingPunct="1">
-              <a:defRPr sz="1800" kern="1200">
-                <a:solidFill>
-                  <a:schemeClr val="tx1"/>
-                </a:solidFill>
-                <a:latin typeface="+mn-lt"/>
-                <a:ea typeface="+mn-ea"/>
-                <a:cs typeface="+mn-cs"/>
-              </a:defRPr>
-            </a:lvl3pPr>
-            <a:lvl4pPr marL="1371600" algn="l" defTabSz="914400" rtl="0" eaLnBrk="1" latinLnBrk="1" hangingPunct="1">
-              <a:defRPr sz="1800" kern="1200">
-                <a:solidFill>
-                  <a:schemeClr val="tx1"/>
-                </a:solidFill>
-                <a:latin typeface="+mn-lt"/>
-                <a:ea typeface="+mn-ea"/>
-                <a:cs typeface="+mn-cs"/>
-              </a:defRPr>
-            </a:lvl4pPr>
-            <a:lvl5pPr marL="1828800" algn="l" defTabSz="914400" rtl="0" eaLnBrk="1" latinLnBrk="1" hangingPunct="1">
-              <a:defRPr sz="1800" kern="1200">
-                <a:solidFill>
-                  <a:schemeClr val="tx1"/>
-                </a:solidFill>
-                <a:latin typeface="+mn-lt"/>
-                <a:ea typeface="+mn-ea"/>
-                <a:cs typeface="+mn-cs"/>
-              </a:defRPr>
-            </a:lvl5pPr>
-            <a:lvl6pPr marL="2286000" algn="l" defTabSz="914400" rtl="0" eaLnBrk="1" latinLnBrk="1" hangingPunct="1">
-              <a:defRPr sz="1800" kern="1200">
-                <a:solidFill>
-                  <a:schemeClr val="tx1"/>
-                </a:solidFill>
-                <a:latin typeface="+mn-lt"/>
-                <a:ea typeface="+mn-ea"/>
-                <a:cs typeface="+mn-cs"/>
-              </a:defRPr>
-            </a:lvl6pPr>
-            <a:lvl7pPr marL="2743200" algn="l" defTabSz="914400" rtl="0" eaLnBrk="1" latinLnBrk="1" hangingPunct="1">
-              <a:defRPr sz="1800" kern="1200">
-                <a:solidFill>
-                  <a:schemeClr val="tx1"/>
-                </a:solidFill>
-                <a:latin typeface="+mn-lt"/>
-                <a:ea typeface="+mn-ea"/>
-                <a:cs typeface="+mn-cs"/>
-              </a:defRPr>
-            </a:lvl7pPr>
-            <a:lvl8pPr marL="3200400" algn="l" defTabSz="914400" rtl="0" eaLnBrk="1" latinLnBrk="1" hangingPunct="1">
-              <a:defRPr sz="1800" kern="1200">
-                <a:solidFill>
-                  <a:schemeClr val="tx1"/>
-                </a:solidFill>
-                <a:latin typeface="+mn-lt"/>
-                <a:ea typeface="+mn-ea"/>
-                <a:cs typeface="+mn-cs"/>
-              </a:defRPr>
-            </a:lvl8pPr>
-            <a:lvl9pPr marL="3657600" algn="l" defTabSz="914400" rtl="0" eaLnBrk="1" latinLnBrk="1" hangingPunct="1">
-              <a:defRPr sz="1800" kern="1200">
-                <a:solidFill>
-                  <a:schemeClr val="tx1"/>
-                </a:solidFill>
-                <a:latin typeface="+mn-lt"/>
-                <a:ea typeface="+mn-ea"/>
-                <a:cs typeface="+mn-cs"/>
-              </a:defRPr>
-            </a:lvl9pPr>
-          </a:lstStyle>
-          <a:p>
-            <a:pPr algn="ctr">
-              <a:defRPr/>
+          <a:p>
+            <a:pPr>
+              <a:lnSpc>
+                <a:spcPct val="90000"/>
+              </a:lnSpc>
+              <a:spcBef>
+                <a:spcPts val="0"/>
+              </a:spcBef>
+              <a:spcAft>
+                <a:spcPts val="300"/>
+              </a:spcAft>
             </a:pPr>
-            <a:r>
-              <a:rPr lang="en-US" altLang="ko-KR" sz="2800" b="1" dirty="0">
-                <a:solidFill>
-                  <a:schemeClr val="bg1"/>
-                </a:solidFill>
-                <a:cs typeface="Arial" panose="020B0604020202020204" pitchFamily="34" charset="0"/>
-              </a:rPr>
-              <a:t>2 </a:t>
-            </a:r>
-            <a:endParaRPr lang="ko-KR" altLang="en-US" sz="2800" dirty="0">
-              <a:solidFill>
-                <a:schemeClr val="bg1"/>
-              </a:solidFill>
+            <a:endParaRPr lang="ru-RU" altLang="en-US" sz="2200">
+              <a:latin typeface="Arial" panose="020B0604020202020204" pitchFamily="34" charset="0"/>
+              <a:cs typeface="Arial" panose="020B0604020202020204" pitchFamily="34" charset="0"/>
+              <a:sym typeface="+mn-ea"/>
             </a:endParaRPr>
           </a:p>
-        </p:txBody>
-      </p:sp>
-      <p:sp>
-        <p:nvSpPr>
-          <p:cNvPr id="82" name="TextBox 10"/>
-          <p:cNvSpPr txBox="1"/>
-          <p:nvPr/>
-        </p:nvSpPr>
-        <p:spPr bwMode="auto">
-          <a:xfrm>
-            <a:off x="4337050" y="3970655"/>
-            <a:ext cx="5574030" cy="691515"/>
-          </a:xfrm>
-          <a:prstGeom prst="rect">
-            <a:avLst/>
-          </a:prstGeom>
-          <a:noFill/>
-          <a:effectLst/>
-        </p:spPr>
-        <p:txBody>
-          <a:bodyPr wrap="square">
-            <a:spAutoFit/>
-          </a:bodyPr>
-          <a:lstStyle>
-            <a:defPPr>
-              <a:defRPr lang="ko-KR"/>
-            </a:defPPr>
-            <a:lvl1pPr marL="0" algn="l" defTabSz="914400" rtl="0" eaLnBrk="1" latinLnBrk="1" hangingPunct="1">
-              <a:defRPr sz="1800" kern="1200">
-                <a:solidFill>
-                  <a:schemeClr val="tx1"/>
-                </a:solidFill>
-                <a:latin typeface="+mn-lt"/>
-                <a:ea typeface="+mn-ea"/>
-                <a:cs typeface="+mn-cs"/>
-              </a:defRPr>
-            </a:lvl1pPr>
-            <a:lvl2pPr marL="457200" algn="l" defTabSz="914400" rtl="0" eaLnBrk="1" latinLnBrk="1" hangingPunct="1">
-              <a:defRPr sz="1800" kern="1200">
-                <a:solidFill>
-                  <a:schemeClr val="tx1"/>
-                </a:solidFill>
-                <a:latin typeface="+mn-lt"/>
-                <a:ea typeface="+mn-ea"/>
-                <a:cs typeface="+mn-cs"/>
-              </a:defRPr>
-            </a:lvl2pPr>
-            <a:lvl3pPr marL="914400" algn="l" defTabSz="914400" rtl="0" eaLnBrk="1" latinLnBrk="1" hangingPunct="1">
-              <a:defRPr sz="1800" kern="1200">
-                <a:solidFill>
-                  <a:schemeClr val="tx1"/>
-                </a:solidFill>
-                <a:latin typeface="+mn-lt"/>
-                <a:ea typeface="+mn-ea"/>
-                <a:cs typeface="+mn-cs"/>
-              </a:defRPr>
-            </a:lvl3pPr>
-            <a:lvl4pPr marL="1371600" algn="l" defTabSz="914400" rtl="0" eaLnBrk="1" latinLnBrk="1" hangingPunct="1">
-              <a:defRPr sz="1800" kern="1200">
-                <a:solidFill>
-                  <a:schemeClr val="tx1"/>
-                </a:solidFill>
-                <a:latin typeface="+mn-lt"/>
-                <a:ea typeface="+mn-ea"/>
-                <a:cs typeface="+mn-cs"/>
-              </a:defRPr>
-            </a:lvl4pPr>
-            <a:lvl5pPr marL="1828800" algn="l" defTabSz="914400" rtl="0" eaLnBrk="1" latinLnBrk="1" hangingPunct="1">
-              <a:defRPr sz="1800" kern="1200">
-                <a:solidFill>
-                  <a:schemeClr val="tx1"/>
-                </a:solidFill>
-                <a:latin typeface="+mn-lt"/>
-                <a:ea typeface="+mn-ea"/>
-                <a:cs typeface="+mn-cs"/>
-              </a:defRPr>
-            </a:lvl5pPr>
-            <a:lvl6pPr marL="2286000" algn="l" defTabSz="914400" rtl="0" eaLnBrk="1" latinLnBrk="1" hangingPunct="1">
-              <a:defRPr sz="1800" kern="1200">
-                <a:solidFill>
-                  <a:schemeClr val="tx1"/>
-                </a:solidFill>
-                <a:latin typeface="+mn-lt"/>
-                <a:ea typeface="+mn-ea"/>
-                <a:cs typeface="+mn-cs"/>
-              </a:defRPr>
-            </a:lvl6pPr>
-            <a:lvl7pPr marL="2743200" algn="l" defTabSz="914400" rtl="0" eaLnBrk="1" latinLnBrk="1" hangingPunct="1">
-              <a:defRPr sz="1800" kern="1200">
-                <a:solidFill>
-                  <a:schemeClr val="tx1"/>
-                </a:solidFill>
-                <a:latin typeface="+mn-lt"/>
-                <a:ea typeface="+mn-ea"/>
-                <a:cs typeface="+mn-cs"/>
-              </a:defRPr>
-            </a:lvl7pPr>
-            <a:lvl8pPr marL="3200400" algn="l" defTabSz="914400" rtl="0" eaLnBrk="1" latinLnBrk="1" hangingPunct="1">
-              <a:defRPr sz="1800" kern="1200">
-                <a:solidFill>
-                  <a:schemeClr val="tx1"/>
-                </a:solidFill>
-                <a:latin typeface="+mn-lt"/>
-                <a:ea typeface="+mn-ea"/>
-                <a:cs typeface="+mn-cs"/>
-              </a:defRPr>
-            </a:lvl8pPr>
-            <a:lvl9pPr marL="3657600" algn="l" defTabSz="914400" rtl="0" eaLnBrk="1" latinLnBrk="1" hangingPunct="1">
-              <a:defRPr sz="1800" kern="1200">
-                <a:solidFill>
-                  <a:schemeClr val="tx1"/>
-                </a:solidFill>
-                <a:latin typeface="+mn-lt"/>
-                <a:ea typeface="+mn-ea"/>
-                <a:cs typeface="+mn-cs"/>
-              </a:defRPr>
-            </a:lvl9pPr>
-          </a:lstStyle>
           <a:p>
             <a:pPr>
-              <a:defRPr/>
+              <a:lnSpc>
+                <a:spcPct val="90000"/>
+              </a:lnSpc>
+              <a:spcBef>
+                <a:spcPts val="0"/>
+              </a:spcBef>
+              <a:spcAft>
+                <a:spcPts val="300"/>
+              </a:spcAft>
             </a:pPr>
             <a:r>
-              <a:rPr lang="ru-RU" altLang="en-US" sz="1300" b="1">
+              <a:rPr lang="ru-RU" altLang="en-US" sz="2200">
                 <a:latin typeface="Arial" panose="020B0604020202020204" pitchFamily="34" charset="0"/>
                 <a:cs typeface="Arial" panose="020B0604020202020204" pitchFamily="34" charset="0"/>
                 <a:sym typeface="+mn-ea"/>
               </a:rPr>
-              <a:t>На данном этапе самый большой элемент хранится в корне кучи.     Замените его на последний элемент кучи, а затем уменьшите ее        размер на 1.</a:t>
-            </a:r>
-            <a:endParaRPr lang="ru-RU" altLang="en-US" sz="1300" b="1" dirty="0">
-              <a:solidFill>
-                <a:schemeClr val="tx1">
-                  <a:lumMod val="75000"/>
-                  <a:lumOff val="25000"/>
-                </a:schemeClr>
-              </a:solidFill>
-              <a:latin typeface="Arial" panose="020B0604020202020204" pitchFamily="34" charset="0"/>
-              <a:cs typeface="Arial" panose="020B0604020202020204" pitchFamily="34" charset="0"/>
-              <a:sym typeface="+mn-ea"/>
-            </a:endParaRPr>
-          </a:p>
-        </p:txBody>
-      </p:sp>
-      <p:sp>
-        <p:nvSpPr>
-          <p:cNvPr id="84" name="직사각형 39"/>
-          <p:cNvSpPr/>
-          <p:nvPr/>
-        </p:nvSpPr>
-        <p:spPr>
-          <a:xfrm>
-            <a:off x="3469640" y="4939665"/>
-            <a:ext cx="441325" cy="521970"/>
-          </a:xfrm>
-          <a:prstGeom prst="rect">
-            <a:avLst/>
-          </a:prstGeom>
-        </p:spPr>
-        <p:txBody>
-          <a:bodyPr wrap="square" anchor="ctr">
-            <a:spAutoFit/>
-          </a:bodyPr>
-          <a:lstStyle>
-            <a:defPPr>
-              <a:defRPr lang="ko-KR"/>
-            </a:defPPr>
-            <a:lvl1pPr marL="0" algn="l" defTabSz="914400" rtl="0" eaLnBrk="1" latinLnBrk="1" hangingPunct="1">
-              <a:defRPr sz="1800" kern="1200">
-                <a:solidFill>
-                  <a:schemeClr val="tx1"/>
-                </a:solidFill>
-                <a:latin typeface="+mn-lt"/>
-                <a:ea typeface="+mn-ea"/>
-                <a:cs typeface="+mn-cs"/>
-              </a:defRPr>
-            </a:lvl1pPr>
-            <a:lvl2pPr marL="457200" algn="l" defTabSz="914400" rtl="0" eaLnBrk="1" latinLnBrk="1" hangingPunct="1">
-              <a:defRPr sz="1800" kern="1200">
-                <a:solidFill>
-                  <a:schemeClr val="tx1"/>
-                </a:solidFill>
-                <a:latin typeface="+mn-lt"/>
-                <a:ea typeface="+mn-ea"/>
-                <a:cs typeface="+mn-cs"/>
-              </a:defRPr>
-            </a:lvl2pPr>
-            <a:lvl3pPr marL="914400" algn="l" defTabSz="914400" rtl="0" eaLnBrk="1" latinLnBrk="1" hangingPunct="1">
-              <a:defRPr sz="1800" kern="1200">
-                <a:solidFill>
-                  <a:schemeClr val="tx1"/>
-                </a:solidFill>
-                <a:latin typeface="+mn-lt"/>
-                <a:ea typeface="+mn-ea"/>
-                <a:cs typeface="+mn-cs"/>
-              </a:defRPr>
-            </a:lvl3pPr>
-            <a:lvl4pPr marL="1371600" algn="l" defTabSz="914400" rtl="0" eaLnBrk="1" latinLnBrk="1" hangingPunct="1">
-              <a:defRPr sz="1800" kern="1200">
-                <a:solidFill>
-                  <a:schemeClr val="tx1"/>
-                </a:solidFill>
-                <a:latin typeface="+mn-lt"/>
-                <a:ea typeface="+mn-ea"/>
-                <a:cs typeface="+mn-cs"/>
-              </a:defRPr>
-            </a:lvl4pPr>
-            <a:lvl5pPr marL="1828800" algn="l" defTabSz="914400" rtl="0" eaLnBrk="1" latinLnBrk="1" hangingPunct="1">
-              <a:defRPr sz="1800" kern="1200">
-                <a:solidFill>
-                  <a:schemeClr val="tx1"/>
-                </a:solidFill>
-                <a:latin typeface="+mn-lt"/>
-                <a:ea typeface="+mn-ea"/>
-                <a:cs typeface="+mn-cs"/>
-              </a:defRPr>
-            </a:lvl5pPr>
-            <a:lvl6pPr marL="2286000" algn="l" defTabSz="914400" rtl="0" eaLnBrk="1" latinLnBrk="1" hangingPunct="1">
-              <a:defRPr sz="1800" kern="1200">
-                <a:solidFill>
-                  <a:schemeClr val="tx1"/>
-                </a:solidFill>
-                <a:latin typeface="+mn-lt"/>
-                <a:ea typeface="+mn-ea"/>
-                <a:cs typeface="+mn-cs"/>
-              </a:defRPr>
-            </a:lvl6pPr>
-            <a:lvl7pPr marL="2743200" algn="l" defTabSz="914400" rtl="0" eaLnBrk="1" latinLnBrk="1" hangingPunct="1">
-              <a:defRPr sz="1800" kern="1200">
-                <a:solidFill>
-                  <a:schemeClr val="tx1"/>
-                </a:solidFill>
-                <a:latin typeface="+mn-lt"/>
-                <a:ea typeface="+mn-ea"/>
-                <a:cs typeface="+mn-cs"/>
-              </a:defRPr>
-            </a:lvl7pPr>
-            <a:lvl8pPr marL="3200400" algn="l" defTabSz="914400" rtl="0" eaLnBrk="1" latinLnBrk="1" hangingPunct="1">
-              <a:defRPr sz="1800" kern="1200">
-                <a:solidFill>
-                  <a:schemeClr val="tx1"/>
-                </a:solidFill>
-                <a:latin typeface="+mn-lt"/>
-                <a:ea typeface="+mn-ea"/>
-                <a:cs typeface="+mn-cs"/>
-              </a:defRPr>
-            </a:lvl8pPr>
-            <a:lvl9pPr marL="3657600" algn="l" defTabSz="914400" rtl="0" eaLnBrk="1" latinLnBrk="1" hangingPunct="1">
-              <a:defRPr sz="1800" kern="1200">
-                <a:solidFill>
-                  <a:schemeClr val="tx1"/>
-                </a:solidFill>
-                <a:latin typeface="+mn-lt"/>
-                <a:ea typeface="+mn-ea"/>
-                <a:cs typeface="+mn-cs"/>
-              </a:defRPr>
-            </a:lvl9pPr>
-          </a:lstStyle>
-          <a:p>
-            <a:pPr algn="ctr">
-              <a:defRPr/>
-            </a:pPr>
-            <a:r>
-              <a:rPr lang="en-US" altLang="ko-KR" sz="2800" b="1" dirty="0">
-                <a:solidFill>
-                  <a:schemeClr val="bg1"/>
-                </a:solidFill>
-                <a:cs typeface="Arial" panose="020B0604020202020204" pitchFamily="34" charset="0"/>
-              </a:rPr>
-              <a:t>3 </a:t>
-            </a:r>
-            <a:endParaRPr lang="ko-KR" altLang="en-US" sz="2800" dirty="0">
-              <a:solidFill>
-                <a:schemeClr val="bg1"/>
-              </a:solidFill>
-            </a:endParaRPr>
-          </a:p>
-        </p:txBody>
-      </p:sp>
-      <p:sp>
-        <p:nvSpPr>
-          <p:cNvPr id="86" name="TextBox 10"/>
-          <p:cNvSpPr txBox="1"/>
-          <p:nvPr/>
-        </p:nvSpPr>
-        <p:spPr bwMode="auto">
-          <a:xfrm>
-            <a:off x="4384040" y="4999355"/>
-            <a:ext cx="5527040" cy="291465"/>
-          </a:xfrm>
-          <a:prstGeom prst="rect">
-            <a:avLst/>
-          </a:prstGeom>
-          <a:noFill/>
-          <a:effectLst/>
-        </p:spPr>
-        <p:txBody>
-          <a:bodyPr wrap="square">
-            <a:spAutoFit/>
-          </a:bodyPr>
-          <a:lstStyle>
-            <a:defPPr>
-              <a:defRPr lang="ko-KR"/>
-            </a:defPPr>
-            <a:lvl1pPr marL="0" algn="l" defTabSz="914400" rtl="0" eaLnBrk="1" latinLnBrk="1" hangingPunct="1">
-              <a:defRPr sz="1800" kern="1200">
-                <a:solidFill>
-                  <a:schemeClr val="tx1"/>
-                </a:solidFill>
-                <a:latin typeface="+mn-lt"/>
-                <a:ea typeface="+mn-ea"/>
-                <a:cs typeface="+mn-cs"/>
-              </a:defRPr>
-            </a:lvl1pPr>
-            <a:lvl2pPr marL="457200" algn="l" defTabSz="914400" rtl="0" eaLnBrk="1" latinLnBrk="1" hangingPunct="1">
-              <a:defRPr sz="1800" kern="1200">
-                <a:solidFill>
-                  <a:schemeClr val="tx1"/>
-                </a:solidFill>
-                <a:latin typeface="+mn-lt"/>
-                <a:ea typeface="+mn-ea"/>
-                <a:cs typeface="+mn-cs"/>
-              </a:defRPr>
-            </a:lvl2pPr>
-            <a:lvl3pPr marL="914400" algn="l" defTabSz="914400" rtl="0" eaLnBrk="1" latinLnBrk="1" hangingPunct="1">
-              <a:defRPr sz="1800" kern="1200">
-                <a:solidFill>
-                  <a:schemeClr val="tx1"/>
-                </a:solidFill>
-                <a:latin typeface="+mn-lt"/>
-                <a:ea typeface="+mn-ea"/>
-                <a:cs typeface="+mn-cs"/>
-              </a:defRPr>
-            </a:lvl3pPr>
-            <a:lvl4pPr marL="1371600" algn="l" defTabSz="914400" rtl="0" eaLnBrk="1" latinLnBrk="1" hangingPunct="1">
-              <a:defRPr sz="1800" kern="1200">
-                <a:solidFill>
-                  <a:schemeClr val="tx1"/>
-                </a:solidFill>
-                <a:latin typeface="+mn-lt"/>
-                <a:ea typeface="+mn-ea"/>
-                <a:cs typeface="+mn-cs"/>
-              </a:defRPr>
-            </a:lvl4pPr>
-            <a:lvl5pPr marL="1828800" algn="l" defTabSz="914400" rtl="0" eaLnBrk="1" latinLnBrk="1" hangingPunct="1">
-              <a:defRPr sz="1800" kern="1200">
-                <a:solidFill>
-                  <a:schemeClr val="tx1"/>
-                </a:solidFill>
-                <a:latin typeface="+mn-lt"/>
-                <a:ea typeface="+mn-ea"/>
-                <a:cs typeface="+mn-cs"/>
-              </a:defRPr>
-            </a:lvl5pPr>
-            <a:lvl6pPr marL="2286000" algn="l" defTabSz="914400" rtl="0" eaLnBrk="1" latinLnBrk="1" hangingPunct="1">
-              <a:defRPr sz="1800" kern="1200">
-                <a:solidFill>
-                  <a:schemeClr val="tx1"/>
-                </a:solidFill>
-                <a:latin typeface="+mn-lt"/>
-                <a:ea typeface="+mn-ea"/>
-                <a:cs typeface="+mn-cs"/>
-              </a:defRPr>
-            </a:lvl6pPr>
-            <a:lvl7pPr marL="2743200" algn="l" defTabSz="914400" rtl="0" eaLnBrk="1" latinLnBrk="1" hangingPunct="1">
-              <a:defRPr sz="1800" kern="1200">
-                <a:solidFill>
-                  <a:schemeClr val="tx1"/>
-                </a:solidFill>
-                <a:latin typeface="+mn-lt"/>
-                <a:ea typeface="+mn-ea"/>
-                <a:cs typeface="+mn-cs"/>
-              </a:defRPr>
-            </a:lvl7pPr>
-            <a:lvl8pPr marL="3200400" algn="l" defTabSz="914400" rtl="0" eaLnBrk="1" latinLnBrk="1" hangingPunct="1">
-              <a:defRPr sz="1800" kern="1200">
-                <a:solidFill>
-                  <a:schemeClr val="tx1"/>
-                </a:solidFill>
-                <a:latin typeface="+mn-lt"/>
-                <a:ea typeface="+mn-ea"/>
-                <a:cs typeface="+mn-cs"/>
-              </a:defRPr>
-            </a:lvl8pPr>
-            <a:lvl9pPr marL="3657600" algn="l" defTabSz="914400" rtl="0" eaLnBrk="1" latinLnBrk="1" hangingPunct="1">
-              <a:defRPr sz="1800" kern="1200">
-                <a:solidFill>
-                  <a:schemeClr val="tx1"/>
-                </a:solidFill>
-                <a:latin typeface="+mn-lt"/>
-                <a:ea typeface="+mn-ea"/>
-                <a:cs typeface="+mn-cs"/>
-              </a:defRPr>
-            </a:lvl9pPr>
-          </a:lstStyle>
-          <a:p>
-            <a:pPr>
-              <a:defRPr/>
-            </a:pPr>
-            <a:r>
-              <a:rPr lang="ru-RU" altLang="en-US" sz="1300" b="1">
+              <a:t>Если индексирование массива началось с 0 и родительский узел хранится в индексе </a:t>
+            </a:r>
+            <a:r>
+              <a:rPr lang="en-US" altLang="en-US" sz="2200">
                 <a:latin typeface="Arial" panose="020B0604020202020204" pitchFamily="34" charset="0"/>
                 <a:cs typeface="Arial" panose="020B0604020202020204" pitchFamily="34" charset="0"/>
                 <a:sym typeface="+mn-ea"/>
               </a:rPr>
-              <a:t>Преобразуйте полученное дерево в max-heap с новым корнем</a:t>
-            </a:r>
-            <a:endParaRPr lang="ru-RU" altLang="en-US" sz="1300" b="1" dirty="0">
-              <a:solidFill>
-                <a:schemeClr val="tx1">
-                  <a:lumMod val="75000"/>
-                  <a:lumOff val="25000"/>
-                </a:schemeClr>
-              </a:solidFill>
-              <a:latin typeface="Arial" panose="020B0604020202020204" pitchFamily="34" charset="0"/>
-              <a:cs typeface="Arial" panose="020B0604020202020204" pitchFamily="34" charset="0"/>
-            </a:endParaRPr>
-          </a:p>
-        </p:txBody>
-      </p:sp>
-      <p:sp>
-        <p:nvSpPr>
-          <p:cNvPr id="88" name="직사각형 39"/>
-          <p:cNvSpPr/>
-          <p:nvPr/>
-        </p:nvSpPr>
-        <p:spPr>
-          <a:xfrm>
-            <a:off x="3469640" y="5864225"/>
-            <a:ext cx="441325" cy="521970"/>
-          </a:xfrm>
-          <a:prstGeom prst="rect">
-            <a:avLst/>
-          </a:prstGeom>
-        </p:spPr>
-        <p:txBody>
-          <a:bodyPr wrap="square" anchor="ctr">
-            <a:spAutoFit/>
-          </a:bodyPr>
-          <a:lstStyle>
-            <a:defPPr>
-              <a:defRPr lang="ko-KR"/>
-            </a:defPPr>
-            <a:lvl1pPr marL="0" algn="l" defTabSz="914400" rtl="0" eaLnBrk="1" latinLnBrk="1" hangingPunct="1">
-              <a:defRPr sz="1800" kern="1200">
-                <a:solidFill>
-                  <a:schemeClr val="tx1"/>
-                </a:solidFill>
-                <a:latin typeface="+mn-lt"/>
-                <a:ea typeface="+mn-ea"/>
-                <a:cs typeface="+mn-cs"/>
-              </a:defRPr>
-            </a:lvl1pPr>
-            <a:lvl2pPr marL="457200" algn="l" defTabSz="914400" rtl="0" eaLnBrk="1" latinLnBrk="1" hangingPunct="1">
-              <a:defRPr sz="1800" kern="1200">
-                <a:solidFill>
-                  <a:schemeClr val="tx1"/>
-                </a:solidFill>
-                <a:latin typeface="+mn-lt"/>
-                <a:ea typeface="+mn-ea"/>
-                <a:cs typeface="+mn-cs"/>
-              </a:defRPr>
-            </a:lvl2pPr>
-            <a:lvl3pPr marL="914400" algn="l" defTabSz="914400" rtl="0" eaLnBrk="1" latinLnBrk="1" hangingPunct="1">
-              <a:defRPr sz="1800" kern="1200">
-                <a:solidFill>
-                  <a:schemeClr val="tx1"/>
-                </a:solidFill>
-                <a:latin typeface="+mn-lt"/>
-                <a:ea typeface="+mn-ea"/>
-                <a:cs typeface="+mn-cs"/>
-              </a:defRPr>
-            </a:lvl3pPr>
-            <a:lvl4pPr marL="1371600" algn="l" defTabSz="914400" rtl="0" eaLnBrk="1" latinLnBrk="1" hangingPunct="1">
-              <a:defRPr sz="1800" kern="1200">
-                <a:solidFill>
-                  <a:schemeClr val="tx1"/>
-                </a:solidFill>
-                <a:latin typeface="+mn-lt"/>
-                <a:ea typeface="+mn-ea"/>
-                <a:cs typeface="+mn-cs"/>
-              </a:defRPr>
-            </a:lvl4pPr>
-            <a:lvl5pPr marL="1828800" algn="l" defTabSz="914400" rtl="0" eaLnBrk="1" latinLnBrk="1" hangingPunct="1">
-              <a:defRPr sz="1800" kern="1200">
-                <a:solidFill>
-                  <a:schemeClr val="tx1"/>
-                </a:solidFill>
-                <a:latin typeface="+mn-lt"/>
-                <a:ea typeface="+mn-ea"/>
-                <a:cs typeface="+mn-cs"/>
-              </a:defRPr>
-            </a:lvl5pPr>
-            <a:lvl6pPr marL="2286000" algn="l" defTabSz="914400" rtl="0" eaLnBrk="1" latinLnBrk="1" hangingPunct="1">
-              <a:defRPr sz="1800" kern="1200">
-                <a:solidFill>
-                  <a:schemeClr val="tx1"/>
-                </a:solidFill>
-                <a:latin typeface="+mn-lt"/>
-                <a:ea typeface="+mn-ea"/>
-                <a:cs typeface="+mn-cs"/>
-              </a:defRPr>
-            </a:lvl6pPr>
-            <a:lvl7pPr marL="2743200" algn="l" defTabSz="914400" rtl="0" eaLnBrk="1" latinLnBrk="1" hangingPunct="1">
-              <a:defRPr sz="1800" kern="1200">
-                <a:solidFill>
-                  <a:schemeClr val="tx1"/>
-                </a:solidFill>
-                <a:latin typeface="+mn-lt"/>
-                <a:ea typeface="+mn-ea"/>
-                <a:cs typeface="+mn-cs"/>
-              </a:defRPr>
-            </a:lvl7pPr>
-            <a:lvl8pPr marL="3200400" algn="l" defTabSz="914400" rtl="0" eaLnBrk="1" latinLnBrk="1" hangingPunct="1">
-              <a:defRPr sz="1800" kern="1200">
-                <a:solidFill>
-                  <a:schemeClr val="tx1"/>
-                </a:solidFill>
-                <a:latin typeface="+mn-lt"/>
-                <a:ea typeface="+mn-ea"/>
-                <a:cs typeface="+mn-cs"/>
-              </a:defRPr>
-            </a:lvl8pPr>
-            <a:lvl9pPr marL="3657600" algn="l" defTabSz="914400" rtl="0" eaLnBrk="1" latinLnBrk="1" hangingPunct="1">
-              <a:defRPr sz="1800" kern="1200">
-                <a:solidFill>
-                  <a:schemeClr val="tx1"/>
-                </a:solidFill>
-                <a:latin typeface="+mn-lt"/>
-                <a:ea typeface="+mn-ea"/>
-                <a:cs typeface="+mn-cs"/>
-              </a:defRPr>
-            </a:lvl9pPr>
-          </a:lstStyle>
-          <a:p>
-            <a:pPr algn="ctr">
-              <a:defRPr/>
-            </a:pPr>
-            <a:r>
-              <a:rPr lang="en-US" altLang="ko-KR" sz="2800" b="1" dirty="0">
-                <a:solidFill>
-                  <a:schemeClr val="bg1"/>
-                </a:solidFill>
-                <a:cs typeface="Arial" panose="020B0604020202020204" pitchFamily="34" charset="0"/>
-              </a:rPr>
-              <a:t>4 </a:t>
-            </a:r>
-            <a:endParaRPr lang="ko-KR" altLang="en-US" sz="2800" dirty="0">
-              <a:solidFill>
-                <a:schemeClr val="bg1"/>
-              </a:solidFill>
-            </a:endParaRPr>
-          </a:p>
-        </p:txBody>
-      </p:sp>
-      <p:sp>
-        <p:nvSpPr>
-          <p:cNvPr id="90" name="TextBox 10"/>
-          <p:cNvSpPr txBox="1"/>
-          <p:nvPr/>
-        </p:nvSpPr>
-        <p:spPr bwMode="auto">
-          <a:xfrm>
-            <a:off x="4384040" y="5965190"/>
-            <a:ext cx="5526405" cy="291465"/>
-          </a:xfrm>
-          <a:prstGeom prst="rect">
-            <a:avLst/>
-          </a:prstGeom>
-          <a:noFill/>
-          <a:effectLst/>
-        </p:spPr>
-        <p:txBody>
-          <a:bodyPr wrap="square">
-            <a:spAutoFit/>
-          </a:bodyPr>
-          <a:lstStyle>
-            <a:defPPr>
-              <a:defRPr lang="ko-KR"/>
-            </a:defPPr>
-            <a:lvl1pPr marL="0" algn="l" defTabSz="914400" rtl="0" eaLnBrk="1" latinLnBrk="1" hangingPunct="1">
-              <a:defRPr sz="1800" kern="1200">
-                <a:solidFill>
-                  <a:schemeClr val="tx1"/>
-                </a:solidFill>
-                <a:latin typeface="+mn-lt"/>
-                <a:ea typeface="+mn-ea"/>
-                <a:cs typeface="+mn-cs"/>
-              </a:defRPr>
-            </a:lvl1pPr>
-            <a:lvl2pPr marL="457200" algn="l" defTabSz="914400" rtl="0" eaLnBrk="1" latinLnBrk="1" hangingPunct="1">
-              <a:defRPr sz="1800" kern="1200">
-                <a:solidFill>
-                  <a:schemeClr val="tx1"/>
-                </a:solidFill>
-                <a:latin typeface="+mn-lt"/>
-                <a:ea typeface="+mn-ea"/>
-                <a:cs typeface="+mn-cs"/>
-              </a:defRPr>
-            </a:lvl2pPr>
-            <a:lvl3pPr marL="914400" algn="l" defTabSz="914400" rtl="0" eaLnBrk="1" latinLnBrk="1" hangingPunct="1">
-              <a:defRPr sz="1800" kern="1200">
-                <a:solidFill>
-                  <a:schemeClr val="tx1"/>
-                </a:solidFill>
-                <a:latin typeface="+mn-lt"/>
-                <a:ea typeface="+mn-ea"/>
-                <a:cs typeface="+mn-cs"/>
-              </a:defRPr>
-            </a:lvl3pPr>
-            <a:lvl4pPr marL="1371600" algn="l" defTabSz="914400" rtl="0" eaLnBrk="1" latinLnBrk="1" hangingPunct="1">
-              <a:defRPr sz="1800" kern="1200">
-                <a:solidFill>
-                  <a:schemeClr val="tx1"/>
-                </a:solidFill>
-                <a:latin typeface="+mn-lt"/>
-                <a:ea typeface="+mn-ea"/>
-                <a:cs typeface="+mn-cs"/>
-              </a:defRPr>
-            </a:lvl4pPr>
-            <a:lvl5pPr marL="1828800" algn="l" defTabSz="914400" rtl="0" eaLnBrk="1" latinLnBrk="1" hangingPunct="1">
-              <a:defRPr sz="1800" kern="1200">
-                <a:solidFill>
-                  <a:schemeClr val="tx1"/>
-                </a:solidFill>
-                <a:latin typeface="+mn-lt"/>
-                <a:ea typeface="+mn-ea"/>
-                <a:cs typeface="+mn-cs"/>
-              </a:defRPr>
-            </a:lvl5pPr>
-            <a:lvl6pPr marL="2286000" algn="l" defTabSz="914400" rtl="0" eaLnBrk="1" latinLnBrk="1" hangingPunct="1">
-              <a:defRPr sz="1800" kern="1200">
-                <a:solidFill>
-                  <a:schemeClr val="tx1"/>
-                </a:solidFill>
-                <a:latin typeface="+mn-lt"/>
-                <a:ea typeface="+mn-ea"/>
-                <a:cs typeface="+mn-cs"/>
-              </a:defRPr>
-            </a:lvl6pPr>
-            <a:lvl7pPr marL="2743200" algn="l" defTabSz="914400" rtl="0" eaLnBrk="1" latinLnBrk="1" hangingPunct="1">
-              <a:defRPr sz="1800" kern="1200">
-                <a:solidFill>
-                  <a:schemeClr val="tx1"/>
-                </a:solidFill>
-                <a:latin typeface="+mn-lt"/>
-                <a:ea typeface="+mn-ea"/>
-                <a:cs typeface="+mn-cs"/>
-              </a:defRPr>
-            </a:lvl7pPr>
-            <a:lvl8pPr marL="3200400" algn="l" defTabSz="914400" rtl="0" eaLnBrk="1" latinLnBrk="1" hangingPunct="1">
-              <a:defRPr sz="1800" kern="1200">
-                <a:solidFill>
-                  <a:schemeClr val="tx1"/>
-                </a:solidFill>
-                <a:latin typeface="+mn-lt"/>
-                <a:ea typeface="+mn-ea"/>
-                <a:cs typeface="+mn-cs"/>
-              </a:defRPr>
-            </a:lvl8pPr>
-            <a:lvl9pPr marL="3657600" algn="l" defTabSz="914400" rtl="0" eaLnBrk="1" latinLnBrk="1" hangingPunct="1">
-              <a:defRPr sz="1800" kern="1200">
-                <a:solidFill>
-                  <a:schemeClr val="tx1"/>
-                </a:solidFill>
-                <a:latin typeface="+mn-lt"/>
-                <a:ea typeface="+mn-ea"/>
-                <a:cs typeface="+mn-cs"/>
-              </a:defRPr>
-            </a:lvl9pPr>
-          </a:lstStyle>
-          <a:p>
-            <a:pPr>
-              <a:defRPr/>
-            </a:pPr>
-            <a:r>
-              <a:rPr lang="ru-RU" altLang="en-US" sz="1300" b="1">
+              <a:t>n</a:t>
+            </a:r>
+            <a:r>
+              <a:rPr lang="ru-RU" altLang="en-US" sz="2200">
                 <a:latin typeface="Arial" panose="020B0604020202020204" pitchFamily="34" charset="0"/>
                 <a:cs typeface="Arial" panose="020B0604020202020204" pitchFamily="34" charset="0"/>
                 <a:sym typeface="+mn-ea"/>
               </a:rPr>
-              <a:t>Повторяйте вышеуказанные шаги, пока размер кучи больше 1</a:t>
-            </a:r>
-            <a:endParaRPr lang="ru-RU" altLang="en-US" sz="1300" b="1" dirty="0">
-              <a:solidFill>
-                <a:schemeClr val="tx1">
-                  <a:lumMod val="75000"/>
-                  <a:lumOff val="25000"/>
-                </a:schemeClr>
-              </a:solidFill>
+              <a:t>, то перейти к левому дочернему элементу можно по индексу 2*</a:t>
+            </a:r>
+            <a:r>
+              <a:rPr lang="en-US" altLang="en-US" sz="2200">
+                <a:latin typeface="Arial" panose="020B0604020202020204" pitchFamily="34" charset="0"/>
+                <a:cs typeface="Arial" panose="020B0604020202020204" pitchFamily="34" charset="0"/>
+                <a:sym typeface="+mn-ea"/>
+              </a:rPr>
+              <a:t>n</a:t>
+            </a:r>
+            <a:r>
+              <a:rPr lang="ru-RU" altLang="en-US" sz="2200">
+                <a:latin typeface="Arial" panose="020B0604020202020204" pitchFamily="34" charset="0"/>
+                <a:cs typeface="Arial" panose="020B0604020202020204" pitchFamily="34" charset="0"/>
+                <a:sym typeface="+mn-ea"/>
+              </a:rPr>
+              <a:t> + 1, а к правому по </a:t>
+            </a:r>
+            <a:r>
+              <a:rPr lang="ru-RU" altLang="en-US" sz="2200">
+                <a:latin typeface="SimSun" panose="02010600030101010101" pitchFamily="2" charset="-122"/>
+                <a:ea typeface="SimSun" panose="02010600030101010101" pitchFamily="2" charset="-122"/>
+                <a:cs typeface="Arial" panose="020B0604020202020204" pitchFamily="34" charset="0"/>
+                <a:sym typeface="+mn-ea"/>
+              </a:rPr>
+              <a:t>－</a:t>
+            </a:r>
+            <a:r>
+              <a:rPr lang="ru-RU" altLang="en-US" sz="2200">
+                <a:latin typeface="Arial" panose="020B0604020202020204" pitchFamily="34" charset="0"/>
+                <a:cs typeface="Arial" panose="020B0604020202020204" pitchFamily="34" charset="0"/>
+                <a:sym typeface="+mn-ea"/>
+              </a:rPr>
+              <a:t> 2*</a:t>
+            </a:r>
+            <a:r>
+              <a:rPr lang="en-US" altLang="en-US" sz="2200">
+                <a:latin typeface="Arial" panose="020B0604020202020204" pitchFamily="34" charset="0"/>
+                <a:cs typeface="Arial" panose="020B0604020202020204" pitchFamily="34" charset="0"/>
+                <a:sym typeface="+mn-ea"/>
+              </a:rPr>
+              <a:t>n</a:t>
+            </a:r>
+            <a:r>
+              <a:rPr lang="ru-RU" altLang="en-US" sz="2200">
+                <a:latin typeface="Arial" panose="020B0604020202020204" pitchFamily="34" charset="0"/>
+                <a:cs typeface="Arial" panose="020B0604020202020204" pitchFamily="34" charset="0"/>
+                <a:sym typeface="+mn-ea"/>
+              </a:rPr>
+              <a:t> + 2</a:t>
+            </a:r>
+            <a:endParaRPr lang="ru-RU" altLang="en-US" sz="2200">
+              <a:latin typeface="SimSun" panose="02010600030101010101" pitchFamily="2" charset="-122"/>
+              <a:ea typeface="SimSun" panose="02010600030101010101" pitchFamily="2" charset="-122"/>
+              <a:cs typeface="Arial" panose="020B0604020202020204" pitchFamily="34" charset="0"/>
+              <a:sym typeface="+mn-ea"/>
+            </a:endParaRPr>
+          </a:p>
+          <a:p>
+            <a:pPr>
+              <a:lnSpc>
+                <a:spcPct val="90000"/>
+              </a:lnSpc>
+              <a:spcBef>
+                <a:spcPts val="0"/>
+              </a:spcBef>
+              <a:spcAft>
+                <a:spcPts val="300"/>
+              </a:spcAft>
+            </a:pPr>
+            <a:endParaRPr lang="ru-RU" altLang="en-US" sz="2200">
               <a:latin typeface="Arial" panose="020B0604020202020204" pitchFamily="34" charset="0"/>
               <a:cs typeface="Arial" panose="020B0604020202020204" pitchFamily="34" charset="0"/>
             </a:endParaRPr>
@@ -10702,6 +9240,99 @@
       </p:grpSpPr>
       <p:sp>
         <p:nvSpPr>
+          <p:cNvPr id="2" name="Текстовое поле 1"/>
+          <p:cNvSpPr txBox="1"/>
+          <p:nvPr/>
+        </p:nvSpPr>
+        <p:spPr>
+          <a:xfrm>
+            <a:off x="2489200" y="333375"/>
+            <a:ext cx="9702800" cy="429895"/>
+          </a:xfrm>
+          <a:prstGeom prst="rect">
+            <a:avLst/>
+          </a:prstGeom>
+          <a:noFill/>
+        </p:spPr>
+        <p:txBody>
+          <a:bodyPr wrap="square" rtlCol="0" anchor="t">
+            <a:spAutoFit/>
+          </a:bodyPr>
+          <a:p>
+            <a:r>
+              <a:rPr lang="ru-RU" altLang="en-US" sz="2200" b="1">
+                <a:solidFill>
+                  <a:srgbClr val="990000"/>
+                </a:solidFill>
+                <a:latin typeface="Arial" panose="020B0604020202020204" pitchFamily="34" charset="0"/>
+                <a:cs typeface="Arial" panose="020B0604020202020204" pitchFamily="34" charset="0"/>
+                <a:sym typeface="+mn-ea"/>
+              </a:rPr>
+              <a:t>Алгоритм пирамидальной сортировки в порядке по возрастанию:</a:t>
+            </a:r>
+            <a:endParaRPr lang="ru-RU" altLang="en-US" sz="2200" b="1">
+              <a:solidFill>
+                <a:srgbClr val="990000"/>
+              </a:solidFill>
+              <a:latin typeface="Arial" panose="020B0604020202020204" pitchFamily="34" charset="0"/>
+              <a:cs typeface="Arial" panose="020B0604020202020204" pitchFamily="34" charset="0"/>
+              <a:sym typeface="+mn-ea"/>
+            </a:endParaRPr>
+          </a:p>
+        </p:txBody>
+      </p:sp>
+      <p:pic>
+        <p:nvPicPr>
+          <p:cNvPr id="3" name="Изображение 2"/>
+          <p:cNvPicPr>
+            <a:picLocks noChangeAspect="1"/>
+          </p:cNvPicPr>
+          <p:nvPr/>
+        </p:nvPicPr>
+        <p:blipFill>
+          <a:blip r:embed="rId1"/>
+          <a:srcRect l="1835" t="3409"/>
+          <a:stretch>
+            <a:fillRect/>
+          </a:stretch>
+        </p:blipFill>
+        <p:spPr>
+          <a:xfrm>
+            <a:off x="3009900" y="1171575"/>
+            <a:ext cx="8492490" cy="4515485"/>
+          </a:xfrm>
+          <a:prstGeom prst="rect">
+            <a:avLst/>
+          </a:prstGeom>
+        </p:spPr>
+      </p:pic>
+    </p:spTree>
+  </p:cSld>
+  <p:clrMapOvr>
+    <a:masterClrMapping/>
+  </p:clrMapOvr>
+</p:sld>
+</file>
+
+<file path=ppt/slides/slide5.xml><?xml version="1.0" encoding="utf-8"?>
+<p:sld xmlns:a="http://schemas.openxmlformats.org/drawingml/2006/main" xmlns:r="http://schemas.openxmlformats.org/officeDocument/2006/relationships" xmlns:p="http://schemas.openxmlformats.org/presentationml/2006/main">
+  <p:cSld>
+    <p:spTree>
+      <p:nvGrpSpPr>
+        <p:cNvPr id="1" name=""/>
+        <p:cNvGrpSpPr/>
+        <p:nvPr/>
+      </p:nvGrpSpPr>
+      <p:grpSpPr>
+        <a:xfrm>
+          <a:off x="0" y="0"/>
+          <a:ext cx="0" cy="0"/>
+          <a:chOff x="0" y="0"/>
+          <a:chExt cx="0" cy="0"/>
+        </a:xfrm>
+      </p:grpSpPr>
+      <p:sp>
+        <p:nvSpPr>
           <p:cNvPr id="4" name="Text Placeholder 1"/>
           <p:cNvSpPr>
             <a:spLocks noGrp="1"/>
@@ -10710,17 +9341,15 @@
         </p:nvSpPr>
         <p:spPr>
           <a:xfrm>
-            <a:off x="0" y="-16510"/>
-            <a:ext cx="12191365" cy="768350"/>
+            <a:off x="635" y="177165"/>
+            <a:ext cx="12191365" cy="487680"/>
           </a:xfrm>
           <a:prstGeom prst="rect">
             <a:avLst/>
           </a:prstGeom>
         </p:spPr>
         <p:txBody>
-          <a:bodyPr vert="horz" lIns="91440" tIns="45720" rIns="91440" bIns="45720" rtlCol="0" anchor="ctr">
-            <a:normAutofit/>
-          </a:bodyPr>
+          <a:bodyPr vert="horz" lIns="91440" tIns="45720" rIns="91440" bIns="45720" rtlCol="0" anchor="ctr"/>
           <a:lstStyle>
             <a:lvl1pPr marL="0" marR="0" indent="0" algn="ctr" defTabSz="914400" rtl="0" eaLnBrk="1" fontAlgn="auto" latinLnBrk="0" hangingPunct="1">
               <a:lnSpc>
@@ -10927,8 +9556,8 @@
         </p:nvSpPr>
         <p:spPr>
           <a:xfrm>
-            <a:off x="0" y="664845"/>
-            <a:ext cx="11677015" cy="6193155"/>
+            <a:off x="341630" y="664845"/>
+            <a:ext cx="10507980" cy="6193155"/>
           </a:xfrm>
           <a:prstGeom prst="rect">
             <a:avLst/>
@@ -10989,7 +9618,16 @@
                 <a:cs typeface="Arial" panose="020B0604020202020204" pitchFamily="34" charset="0"/>
                 <a:sym typeface="+mn-ea"/>
               </a:rPr>
-              <a:t>. Она </a:t>
+              <a:t>. Она вызывает себя рекурсивно для создания кучи сверху вниз. Числа в скобках </a:t>
+            </a:r>
+            <a:r>
+              <a:rPr lang="ru-RU" altLang="en-US" sz="2200">
+                <a:latin typeface="SimSun" panose="02010600030101010101" pitchFamily="2" charset="-122"/>
+                <a:ea typeface="SimSun" panose="02010600030101010101" pitchFamily="2" charset="-122"/>
+                <a:cs typeface="Arial" panose="020B0604020202020204" pitchFamily="34" charset="0"/>
+                <a:sym typeface="+mn-ea"/>
+              </a:rPr>
+              <a:t>－ </a:t>
             </a:r>
             <a:r>
               <a:rPr lang="ru-RU" altLang="en-US" sz="2200">
@@ -10997,7 +9635,7 @@
                 <a:cs typeface="Arial" panose="020B0604020202020204" pitchFamily="34" charset="0"/>
                 <a:sym typeface="+mn-ea"/>
               </a:rPr>
-              <a:t>вызывает себя рекурсивно для создания кучи сверху вниз. Числа в скобках представляют индексы в представлении данных в виде массива.</a:t>
+              <a:t>это индексы в представлении данных в виде массива.</a:t>
             </a:r>
             <a:endParaRPr lang="ru-RU" altLang="en-US" sz="2200">
               <a:latin typeface="Arial" panose="020B0604020202020204" pitchFamily="34" charset="0"/>
@@ -11457,7 +10095,7 @@
 </p:sld>
 </file>
 
-<file path=ppt/slides/slide5.xml><?xml version="1.0" encoding="utf-8"?>
+<file path=ppt/slides/slide6.xml><?xml version="1.0" encoding="utf-8"?>
 <p:sld xmlns:a="http://schemas.openxmlformats.org/drawingml/2006/main" xmlns:r="http://schemas.openxmlformats.org/officeDocument/2006/relationships" xmlns:p="http://schemas.openxmlformats.org/presentationml/2006/main">
   <p:cSld>
     <p:spTree>
@@ -11484,7 +10122,7 @@
         </p:nvSpPr>
         <p:spPr>
           <a:xfrm>
-            <a:off x="2591435" y="706755"/>
+            <a:off x="3057525" y="1087755"/>
             <a:ext cx="9029065" cy="2457450"/>
           </a:xfrm>
           <a:prstGeom prst="rect">
@@ -11912,7 +10550,7 @@
         </p:nvSpPr>
         <p:spPr>
           <a:xfrm>
-            <a:off x="464185" y="0"/>
+            <a:off x="464185" y="252095"/>
             <a:ext cx="11727815" cy="583565"/>
           </a:xfrm>
           <a:prstGeom prst="rect">
@@ -11948,165 +10586,6 @@
               <a:latin typeface="Arial" panose="020B0604020202020204" pitchFamily="34" charset="0"/>
               <a:cs typeface="Arial" panose="020B0604020202020204" pitchFamily="34" charset="0"/>
               <a:sym typeface="+mn-ea"/>
-            </a:endParaRPr>
-          </a:p>
-        </p:txBody>
-      </p:sp>
-    </p:spTree>
-  </p:cSld>
-  <p:clrMapOvr>
-    <a:masterClrMapping/>
-  </p:clrMapOvr>
-</p:sld>
-</file>
-
-<file path=ppt/slides/slide6.xml><?xml version="1.0" encoding="utf-8"?>
-<p:sld xmlns:a="http://schemas.openxmlformats.org/drawingml/2006/main" xmlns:r="http://schemas.openxmlformats.org/officeDocument/2006/relationships" xmlns:p="http://schemas.openxmlformats.org/presentationml/2006/main">
-  <p:cSld>
-    <p:spTree>
-      <p:nvGrpSpPr>
-        <p:cNvPr id="1" name=""/>
-        <p:cNvGrpSpPr/>
-        <p:nvPr/>
-      </p:nvGrpSpPr>
-      <p:grpSpPr>
-        <a:xfrm>
-          <a:off x="0" y="0"/>
-          <a:ext cx="0" cy="0"/>
-          <a:chOff x="0" y="0"/>
-          <a:chExt cx="0" cy="0"/>
-        </a:xfrm>
-      </p:grpSpPr>
-      <p:sp>
-        <p:nvSpPr>
-          <p:cNvPr id="3" name="Текстовое поле 2"/>
-          <p:cNvSpPr txBox="1"/>
-          <p:nvPr/>
-        </p:nvSpPr>
-        <p:spPr>
-          <a:xfrm>
-            <a:off x="1831975" y="777875"/>
-            <a:ext cx="9076055" cy="2837815"/>
-          </a:xfrm>
-          <a:prstGeom prst="rect">
-            <a:avLst/>
-          </a:prstGeom>
-          <a:noFill/>
-        </p:spPr>
-        <p:txBody>
-          <a:bodyPr wrap="square" rtlCol="0" anchor="t">
-            <a:spAutoFit/>
-          </a:bodyPr>
-          <a:p>
-            <a:pPr>
-              <a:lnSpc>
-                <a:spcPct val="100000"/>
-              </a:lnSpc>
-              <a:spcBef>
-                <a:spcPts val="0"/>
-              </a:spcBef>
-              <a:spcAft>
-                <a:spcPts val="300"/>
-              </a:spcAft>
-            </a:pPr>
-            <a:r>
-              <a:rPr lang="ru-RU" altLang="ru-RU" sz="2200">
-                <a:latin typeface="Arial" panose="020B0604020202020204" pitchFamily="34" charset="0"/>
-                <a:cs typeface="Arial" panose="020B0604020202020204" pitchFamily="34" charset="0"/>
-                <a:sym typeface="+mn-ea"/>
-              </a:rPr>
-              <a:t>С помощью программы, генерирующей наборы входных данных разного размера были созданы 10 файлов, содержащих от 1000 до 10000 сгенерированных целых чисел от 0 до 99999.</a:t>
-            </a:r>
-            <a:endParaRPr lang="ru-RU" altLang="ru-RU" sz="2200">
-              <a:latin typeface="Arial" panose="020B0604020202020204" pitchFamily="34" charset="0"/>
-              <a:cs typeface="Arial" panose="020B0604020202020204" pitchFamily="34" charset="0"/>
-            </a:endParaRPr>
-          </a:p>
-          <a:p>
-            <a:pPr>
-              <a:lnSpc>
-                <a:spcPct val="100000"/>
-              </a:lnSpc>
-              <a:spcBef>
-                <a:spcPts val="0"/>
-              </a:spcBef>
-              <a:spcAft>
-                <a:spcPts val="300"/>
-              </a:spcAft>
-            </a:pPr>
-            <a:r>
-              <a:rPr lang="ru-RU" altLang="ru-RU" sz="2200">
-                <a:latin typeface="Arial" panose="020B0604020202020204" pitchFamily="34" charset="0"/>
-                <a:cs typeface="Arial" panose="020B0604020202020204" pitchFamily="34" charset="0"/>
-                <a:sym typeface="+mn-ea"/>
-              </a:rPr>
-              <a:t>На основаниии работы алгоритма на входных данных построены таблица, в которой приведены точные значения, полученные в ходе работы алгоритма, а также график з</a:t>
-            </a:r>
-            <a:r>
-              <a:rPr lang="ru-RU" altLang="en-US" sz="2200">
-                <a:latin typeface="Arial" panose="020B0604020202020204" pitchFamily="34" charset="0"/>
-                <a:sym typeface="+mn-ea"/>
-              </a:rPr>
-              <a:t>ависимости времени работы алгоритма от количества входных данных и график зависимости количества итераций от количества входных данных.</a:t>
-            </a:r>
-            <a:endParaRPr lang="ru-RU" altLang="en-US" sz="2200"/>
-          </a:p>
-        </p:txBody>
-      </p:sp>
-      <p:sp>
-        <p:nvSpPr>
-          <p:cNvPr id="5" name="Текстовое поле 4"/>
-          <p:cNvSpPr txBox="1"/>
-          <p:nvPr/>
-        </p:nvSpPr>
-        <p:spPr>
-          <a:xfrm>
-            <a:off x="0" y="0"/>
-            <a:ext cx="12192000" cy="583565"/>
-          </a:xfrm>
-          <a:prstGeom prst="rect">
-            <a:avLst/>
-          </a:prstGeom>
-          <a:noFill/>
-        </p:spPr>
-        <p:txBody>
-          <a:bodyPr wrap="square" rtlCol="0" anchor="t">
-            <a:spAutoFit/>
-          </a:bodyPr>
-          <a:p>
-            <a:pPr algn="ctr"/>
-            <a:r>
-              <a:rPr lang="ru-RU" altLang="en-US" sz="3200">
-                <a:gradFill>
-                  <a:gsLst>
-                    <a:gs pos="0">
-                      <a:srgbClr val="012D86"/>
-                    </a:gs>
-                    <a:gs pos="100000">
-                      <a:srgbClr val="0E2557"/>
-                    </a:gs>
-                  </a:gsLst>
-                  <a:lin scaled="0"/>
-                </a:gradFill>
-                <a:latin typeface="Arial" panose="020B0604020202020204" pitchFamily="34" charset="0"/>
-                <a:cs typeface="Arial" panose="020B0604020202020204" pitchFamily="34" charset="0"/>
-              </a:rPr>
-              <a:t>Данные для графиков</a:t>
-            </a:r>
-            <a:endParaRPr lang="ru-RU" altLang="en-US" sz="3200">
-              <a:gradFill>
-                <a:gsLst>
-                  <a:gs pos="0">
-                    <a:srgbClr val="012D86"/>
-                  </a:gs>
-                  <a:gs pos="100000">
-                    <a:srgbClr val="0E2557"/>
-                  </a:gs>
-                </a:gsLst>
-                <a:lin scaled="0"/>
-              </a:gradFill>
-              <a:latin typeface="Arial" panose="020B0604020202020204" pitchFamily="34" charset="0"/>
-              <a:cs typeface="Arial" panose="020B0604020202020204" pitchFamily="34" charset="0"/>
             </a:endParaRPr>
           </a:p>
         </p:txBody>
@@ -12138,14 +10617,238 @@
       </p:grpSpPr>
       <p:sp>
         <p:nvSpPr>
+          <p:cNvPr id="3" name="Текстовое поле 2"/>
+          <p:cNvSpPr txBox="1"/>
+          <p:nvPr/>
+        </p:nvSpPr>
+        <p:spPr>
+          <a:xfrm>
+            <a:off x="1558290" y="1503680"/>
+            <a:ext cx="9076055" cy="3215005"/>
+          </a:xfrm>
+          <a:prstGeom prst="rect">
+            <a:avLst/>
+          </a:prstGeom>
+          <a:noFill/>
+        </p:spPr>
+        <p:txBody>
+          <a:bodyPr wrap="square" rtlCol="0" anchor="t">
+            <a:spAutoFit/>
+          </a:bodyPr>
+          <a:p>
+            <a:pPr>
+              <a:lnSpc>
+                <a:spcPct val="100000"/>
+              </a:lnSpc>
+              <a:spcBef>
+                <a:spcPts val="0"/>
+              </a:spcBef>
+              <a:spcAft>
+                <a:spcPts val="300"/>
+              </a:spcAft>
+            </a:pPr>
+            <a:r>
+              <a:rPr lang="ru-RU" altLang="ru-RU" sz="2200">
+                <a:latin typeface="Arial" panose="020B0604020202020204" pitchFamily="34" charset="0"/>
+                <a:cs typeface="Arial" panose="020B0604020202020204" pitchFamily="34" charset="0"/>
+                <a:sym typeface="+mn-ea"/>
+              </a:rPr>
+              <a:t>С помощью программы, генерирующей наборы входных данных разного размера были созданы 10 файлов, содержащих от 1000 до 10000 сгенерированных целых чисел от 0 до 99999.</a:t>
+            </a:r>
+            <a:endParaRPr lang="ru-RU" altLang="ru-RU" sz="2200">
+              <a:latin typeface="Arial" panose="020B0604020202020204" pitchFamily="34" charset="0"/>
+              <a:cs typeface="Arial" panose="020B0604020202020204" pitchFamily="34" charset="0"/>
+              <a:sym typeface="+mn-ea"/>
+            </a:endParaRPr>
+          </a:p>
+          <a:p>
+            <a:pPr>
+              <a:lnSpc>
+                <a:spcPct val="100000"/>
+              </a:lnSpc>
+              <a:spcBef>
+                <a:spcPts val="0"/>
+              </a:spcBef>
+              <a:spcAft>
+                <a:spcPts val="300"/>
+              </a:spcAft>
+            </a:pPr>
+            <a:endParaRPr lang="ru-RU" altLang="ru-RU" sz="2200">
+              <a:latin typeface="Arial" panose="020B0604020202020204" pitchFamily="34" charset="0"/>
+              <a:cs typeface="Arial" panose="020B0604020202020204" pitchFamily="34" charset="0"/>
+            </a:endParaRPr>
+          </a:p>
+          <a:p>
+            <a:pPr>
+              <a:lnSpc>
+                <a:spcPct val="100000"/>
+              </a:lnSpc>
+              <a:spcBef>
+                <a:spcPts val="0"/>
+              </a:spcBef>
+              <a:spcAft>
+                <a:spcPts val="300"/>
+              </a:spcAft>
+            </a:pPr>
+            <a:r>
+              <a:rPr lang="ru-RU" altLang="ru-RU" sz="2200">
+                <a:latin typeface="Arial" panose="020B0604020202020204" pitchFamily="34" charset="0"/>
+                <a:cs typeface="Arial" panose="020B0604020202020204" pitchFamily="34" charset="0"/>
+                <a:sym typeface="+mn-ea"/>
+              </a:rPr>
+              <a:t>На основаниии работы алгоритма на входных данных построены таблица, в которой приведены точные значения, полученные в ходе работы алгоритма, а также график з</a:t>
+            </a:r>
+            <a:r>
+              <a:rPr lang="ru-RU" altLang="en-US" sz="2200">
+                <a:latin typeface="Arial" panose="020B0604020202020204" pitchFamily="34" charset="0"/>
+                <a:sym typeface="+mn-ea"/>
+              </a:rPr>
+              <a:t>ависимости времени работы алгоритма от входных данных и график зависимости количества итераций от входных данных.</a:t>
+            </a:r>
+            <a:endParaRPr lang="ru-RU" altLang="en-US" sz="2200"/>
+          </a:p>
+        </p:txBody>
+      </p:sp>
+      <p:sp>
+        <p:nvSpPr>
           <p:cNvPr id="5" name="Текстовое поле 4"/>
           <p:cNvSpPr txBox="1"/>
           <p:nvPr/>
         </p:nvSpPr>
         <p:spPr>
           <a:xfrm>
-            <a:off x="0" y="0"/>
+            <a:off x="635" y="224155"/>
             <a:ext cx="12192000" cy="583565"/>
+          </a:xfrm>
+          <a:prstGeom prst="rect">
+            <a:avLst/>
+          </a:prstGeom>
+          <a:noFill/>
+        </p:spPr>
+        <p:txBody>
+          <a:bodyPr wrap="square" rtlCol="0" anchor="t">
+            <a:spAutoFit/>
+          </a:bodyPr>
+          <a:p>
+            <a:pPr algn="ctr"/>
+            <a:r>
+              <a:rPr lang="ru-RU" altLang="en-US" sz="3200">
+                <a:gradFill>
+                  <a:gsLst>
+                    <a:gs pos="0">
+                      <a:srgbClr val="012D86"/>
+                    </a:gs>
+                    <a:gs pos="100000">
+                      <a:srgbClr val="0E2557"/>
+                    </a:gs>
+                  </a:gsLst>
+                  <a:lin scaled="0"/>
+                </a:gradFill>
+                <a:latin typeface="Arial" panose="020B0604020202020204" pitchFamily="34" charset="0"/>
+                <a:cs typeface="Arial" panose="020B0604020202020204" pitchFamily="34" charset="0"/>
+              </a:rPr>
+              <a:t>Данные для графиков</a:t>
+            </a:r>
+            <a:endParaRPr lang="ru-RU" altLang="en-US" sz="3200">
+              <a:gradFill>
+                <a:gsLst>
+                  <a:gs pos="0">
+                    <a:srgbClr val="012D86"/>
+                  </a:gs>
+                  <a:gs pos="100000">
+                    <a:srgbClr val="0E2557"/>
+                  </a:gs>
+                </a:gsLst>
+                <a:lin scaled="0"/>
+              </a:gradFill>
+              <a:latin typeface="Arial" panose="020B0604020202020204" pitchFamily="34" charset="0"/>
+              <a:cs typeface="Arial" panose="020B0604020202020204" pitchFamily="34" charset="0"/>
+            </a:endParaRPr>
+          </a:p>
+        </p:txBody>
+      </p:sp>
+      <p:sp>
+        <p:nvSpPr>
+          <p:cNvPr id="4" name="Rectangle 3"/>
+          <p:cNvSpPr/>
+          <p:nvPr/>
+        </p:nvSpPr>
+        <p:spPr>
+          <a:xfrm>
+            <a:off x="1558290" y="988060"/>
+            <a:ext cx="9075420" cy="132080"/>
+          </a:xfrm>
+          <a:prstGeom prst="rect">
+            <a:avLst/>
+          </a:prstGeom>
+          <a:solidFill>
+            <a:schemeClr val="accent1"/>
+          </a:solidFill>
+          <a:ln>
+            <a:noFill/>
+          </a:ln>
+        </p:spPr>
+        <p:style>
+          <a:lnRef idx="2">
+            <a:schemeClr val="accent1">
+              <a:shade val="50000"/>
+            </a:schemeClr>
+          </a:lnRef>
+          <a:fillRef idx="1">
+            <a:schemeClr val="accent1"/>
+          </a:fillRef>
+          <a:effectRef idx="0">
+            <a:schemeClr val="accent1"/>
+          </a:effectRef>
+          <a:fontRef idx="minor">
+            <a:schemeClr val="lt1"/>
+          </a:fontRef>
+        </p:style>
+        <p:txBody>
+          <a:bodyPr rot="0" spcFirstLastPara="0" vertOverflow="overflow" horzOverflow="overflow" vert="horz" wrap="square" lIns="121920" tIns="60960" rIns="121920" bIns="60960" numCol="1" spcCol="0" rtlCol="0" fromWordArt="0" anchor="ctr" anchorCtr="0" forceAA="0" compatLnSpc="1">
+            <a:noAutofit/>
+          </a:bodyPr>
+          <a:p>
+            <a:pPr algn="ctr"/>
+            <a:endParaRPr lang="ko-KR" altLang="en-US" sz="2400"/>
+          </a:p>
+        </p:txBody>
+      </p:sp>
+    </p:spTree>
+  </p:cSld>
+  <p:clrMapOvr>
+    <a:masterClrMapping/>
+  </p:clrMapOvr>
+</p:sld>
+</file>
+
+<file path=ppt/slides/slide8.xml><?xml version="1.0" encoding="utf-8"?>
+<p:sld xmlns:a="http://schemas.openxmlformats.org/drawingml/2006/main" xmlns:r="http://schemas.openxmlformats.org/officeDocument/2006/relationships" xmlns:p="http://schemas.openxmlformats.org/presentationml/2006/main">
+  <p:cSld>
+    <p:spTree>
+      <p:nvGrpSpPr>
+        <p:cNvPr id="1" name=""/>
+        <p:cNvGrpSpPr/>
+        <p:nvPr/>
+      </p:nvGrpSpPr>
+      <p:grpSpPr>
+        <a:xfrm>
+          <a:off x="0" y="0"/>
+          <a:ext cx="0" cy="0"/>
+          <a:chOff x="0" y="0"/>
+          <a:chExt cx="0" cy="0"/>
+        </a:xfrm>
+      </p:grpSpPr>
+      <p:sp>
+        <p:nvSpPr>
+          <p:cNvPr id="5" name="Текстовое поле 4"/>
+          <p:cNvSpPr txBox="1"/>
+          <p:nvPr/>
+        </p:nvSpPr>
+        <p:spPr>
+          <a:xfrm>
+            <a:off x="0" y="373380"/>
+            <a:ext cx="11546840" cy="583565"/>
           </a:xfrm>
           <a:prstGeom prst="rect">
             <a:avLst/>
@@ -12226,9 +10929,9 @@
                   <a:txBody>
                     <a:bodyPr/>
                     <a:p>
-                      <a:pPr algn="l" fontAlgn="b">
+                      <a:pPr algn="ctr" fontAlgn="ctr">
                         <a:lnSpc>
-                          <a:spcPct val="100000"/>
+                          <a:spcPct val="110000"/>
                         </a:lnSpc>
                         <a:buNone/>
                       </a:pPr>
@@ -12251,7 +10954,7 @@
                       </a:endParaRPr>
                     </a:p>
                   </a:txBody>
-                  <a:tcPr anchor="t" anchorCtr="0">
+                  <a:tcPr anchor="ctr" anchorCtr="0">
                     <a:solidFill>
                       <a:srgbClr val="FF7757"/>
                     </a:solidFill>
@@ -12261,9 +10964,9 @@
                   <a:txBody>
                     <a:bodyPr/>
                     <a:p>
-                      <a:pPr algn="l" fontAlgn="b">
+                      <a:pPr algn="ctr" fontAlgn="ctr">
                         <a:lnSpc>
-                          <a:spcPct val="100000"/>
+                          <a:spcPct val="110000"/>
                         </a:lnSpc>
                         <a:buNone/>
                       </a:pPr>
@@ -12286,7 +10989,7 @@
                       </a:endParaRPr>
                     </a:p>
                   </a:txBody>
-                  <a:tcPr anchor="t" anchorCtr="0">
+                  <a:tcPr anchor="ctr" anchorCtr="0">
                     <a:solidFill>
                       <a:srgbClr val="FF7757"/>
                     </a:solidFill>
@@ -12296,9 +10999,9 @@
                   <a:txBody>
                     <a:bodyPr/>
                     <a:p>
-                      <a:pPr indent="0" algn="l" fontAlgn="b">
+                      <a:pPr indent="0" algn="ctr" fontAlgn="ctr">
                         <a:lnSpc>
-                          <a:spcPct val="100000"/>
+                          <a:spcPct val="110000"/>
                         </a:lnSpc>
                         <a:buNone/>
                       </a:pPr>
@@ -12312,7 +11015,17 @@
                         </a:rPr>
                         <a:t>Предполагаемое время </a:t>
                       </a:r>
-                      <a:endParaRPr lang="en-US" altLang="en-US" sz="1800" b="1">
+                      <a:r>
+                        <a:rPr lang="ru-RU" altLang="en-US" sz="1800" b="1">
+                          <a:solidFill>
+                            <a:schemeClr val="bg1"/>
+                          </a:solidFill>
+                          <a:latin typeface="Arial" panose="020B0604020202020204" pitchFamily="34" charset="0"/>
+                          <a:cs typeface="Arial" panose="020B0604020202020204" pitchFamily="34" charset="0"/>
+                        </a:rPr>
+                        <a:t>работы</a:t>
+                      </a:r>
+                      <a:endParaRPr lang="ru-RU" altLang="en-US" sz="1800" b="1">
                         <a:solidFill>
                           <a:schemeClr val="bg1"/>
                         </a:solidFill>
@@ -12321,7 +11034,7 @@
                       </a:endParaRPr>
                     </a:p>
                   </a:txBody>
-                  <a:tcPr marL="12700" marR="12700" marT="12700" vert="horz" anchor="t" anchorCtr="0">
+                  <a:tcPr marL="12700" marR="12700" marT="12700" vert="horz" anchor="ctr" anchorCtr="0">
                     <a:solidFill>
                       <a:srgbClr val="FF7757"/>
                     </a:solidFill>
@@ -12331,9 +11044,9 @@
                   <a:txBody>
                     <a:bodyPr/>
                     <a:p>
-                      <a:pPr indent="0" algn="l" fontAlgn="b">
+                      <a:pPr indent="0" algn="ctr" fontAlgn="ctr">
                         <a:lnSpc>
-                          <a:spcPct val="100000"/>
+                          <a:spcPct val="110000"/>
                         </a:lnSpc>
                         <a:buNone/>
                       </a:pPr>
@@ -12356,7 +11069,7 @@
                       </a:endParaRPr>
                     </a:p>
                   </a:txBody>
-                  <a:tcPr marL="12700" marR="12700" marT="12700" vert="horz" anchor="t" anchorCtr="0">
+                  <a:tcPr marL="12700" marR="12700" marT="12700" vert="horz" anchor="ctr" anchorCtr="0">
                     <a:solidFill>
                       <a:srgbClr val="FF7757"/>
                     </a:solidFill>
@@ -12366,9 +11079,9 @@
                   <a:txBody>
                     <a:bodyPr/>
                     <a:p>
-                      <a:pPr indent="0" algn="l" fontAlgn="b">
+                      <a:pPr indent="0" algn="ctr" fontAlgn="ctr">
                         <a:lnSpc>
-                          <a:spcPct val="100000"/>
+                          <a:spcPct val="110000"/>
                         </a:lnSpc>
                         <a:buNone/>
                       </a:pPr>
@@ -12391,7 +11104,7 @@
                       </a:endParaRPr>
                     </a:p>
                   </a:txBody>
-                  <a:tcPr marL="12700" marR="12700" marT="12700" vert="horz" anchor="t" anchorCtr="0">
+                  <a:tcPr marL="12700" marR="12700" marT="12700" vert="horz" anchor="ctr" anchorCtr="0">
                     <a:solidFill>
                       <a:srgbClr val="FF7757"/>
                     </a:solidFill>
@@ -12403,7 +11116,7 @@
                   <a:txBody>
                     <a:bodyPr/>
                     <a:p>
-                      <a:pPr>
+                      <a:pPr algn="l">
                         <a:buNone/>
                       </a:pPr>
                       <a:r>
@@ -12429,7 +11142,7 @@
                   <a:txBody>
                     <a:bodyPr/>
                     <a:p>
-                      <a:pPr>
+                      <a:pPr algn="l">
                         <a:buNone/>
                       </a:pPr>
                       <a:r>
@@ -12451,7 +11164,7 @@
                   <a:txBody>
                     <a:bodyPr/>
                     <a:p>
-                      <a:pPr indent="0">
+                      <a:pPr indent="0" algn="l">
                         <a:buNone/>
                       </a:pPr>
                       <a:r>
@@ -12462,9 +11175,19 @@
                           <a:latin typeface="Arial" panose="020B0604020202020204" pitchFamily="34" charset="0"/>
                           <a:cs typeface="Arial" panose="020B0604020202020204" pitchFamily="34" charset="0"/>
                         </a:rPr>
-                        <a:t>0,996578428</a:t>
+                        <a:t>0,996</a:t>
                       </a:r>
-                      <a:endParaRPr lang="en-US" altLang="en-US" sz="1800" b="0">
+                      <a:r>
+                        <a:rPr lang="ru-RU" altLang="en-US" sz="1800" b="0">
+                          <a:solidFill>
+                            <a:srgbClr val="000000"/>
+                          </a:solidFill>
+                          <a:latin typeface="Arial" panose="020B0604020202020204" pitchFamily="34" charset="0"/>
+                          <a:cs typeface="Arial" panose="020B0604020202020204" pitchFamily="34" charset="0"/>
+                        </a:rPr>
+                        <a:t>6</a:t>
+                      </a:r>
+                      <a:endParaRPr lang="ru-RU" altLang="en-US" sz="1800" b="0">
                         <a:solidFill>
                           <a:srgbClr val="000000"/>
                         </a:solidFill>
@@ -12479,7 +11202,7 @@
                   <a:txBody>
                     <a:bodyPr/>
                     <a:p>
-                      <a:pPr indent="0">
+                      <a:pPr indent="0" algn="l">
                         <a:buNone/>
                       </a:pPr>
                       <a:r>
@@ -12507,7 +11230,7 @@
                   <a:txBody>
                     <a:bodyPr/>
                     <a:p>
-                      <a:pPr indent="0">
+                      <a:pPr indent="0" algn="l">
                         <a:buNone/>
                       </a:pPr>
                       <a:r>
@@ -12537,7 +11260,7 @@
                   <a:txBody>
                     <a:bodyPr/>
                     <a:p>
-                      <a:pPr>
+                      <a:pPr algn="l">
                         <a:buNone/>
                       </a:pPr>
                       <a:r>
@@ -12563,7 +11286,7 @@
                   <a:txBody>
                     <a:bodyPr/>
                     <a:p>
-                      <a:pPr>
+                      <a:pPr algn="l">
                         <a:buNone/>
                       </a:pPr>
                       <a:r>
@@ -12585,7 +11308,7 @@
                   <a:txBody>
                     <a:bodyPr/>
                     <a:p>
-                      <a:pPr indent="0">
+                      <a:pPr indent="0" algn="l">
                         <a:buNone/>
                       </a:pPr>
                       <a:r>
@@ -12596,7 +11319,17 @@
                           <a:latin typeface="Arial" panose="020B0604020202020204" pitchFamily="34" charset="0"/>
                           <a:cs typeface="Arial" panose="020B0604020202020204" pitchFamily="34" charset="0"/>
                         </a:rPr>
-                        <a:t>2,193156857</a:t>
+                        <a:t>2,193</a:t>
+                      </a:r>
+                      <a:r>
+                        <a:rPr lang="ru-RU" altLang="en-US" sz="1800" b="0">
+                          <a:solidFill>
+                            <a:srgbClr val="000000"/>
+                          </a:solidFill>
+                          <a:latin typeface="Arial" panose="020B0604020202020204" pitchFamily="34" charset="0"/>
+                          <a:cs typeface="Arial" panose="020B0604020202020204" pitchFamily="34" charset="0"/>
+                        </a:rPr>
+                        <a:t>2</a:t>
                       </a:r>
                       <a:endParaRPr lang="en-US" altLang="en-US" sz="1800" b="0">
                         <a:solidFill>
@@ -12613,7 +11346,7 @@
                   <a:txBody>
                     <a:bodyPr/>
                     <a:p>
-                      <a:pPr indent="0">
+                      <a:pPr indent="0" algn="l">
                         <a:buNone/>
                       </a:pPr>
                       <a:r>
@@ -12641,7 +11374,7 @@
                   <a:txBody>
                     <a:bodyPr/>
                     <a:p>
-                      <a:pPr indent="0">
+                      <a:pPr indent="0" algn="l">
                         <a:buNone/>
                       </a:pPr>
                       <a:r>
@@ -12671,7 +11404,7 @@
                   <a:txBody>
                     <a:bodyPr/>
                     <a:p>
-                      <a:pPr>
+                      <a:pPr algn="l">
                         <a:buNone/>
                       </a:pPr>
                       <a:r>
@@ -12697,7 +11430,7 @@
                   <a:txBody>
                     <a:bodyPr/>
                     <a:p>
-                      <a:pPr>
+                      <a:pPr algn="l">
                         <a:buNone/>
                       </a:pPr>
                       <a:r>
@@ -12719,7 +11452,7 @@
                   <a:txBody>
                     <a:bodyPr/>
                     <a:p>
-                      <a:pPr indent="0">
+                      <a:pPr indent="0" algn="l">
                         <a:buNone/>
                       </a:pPr>
                       <a:r>
@@ -12730,7 +11463,7 @@
                           <a:latin typeface="Arial" panose="020B0604020202020204" pitchFamily="34" charset="0"/>
                           <a:cs typeface="Arial" panose="020B0604020202020204" pitchFamily="34" charset="0"/>
                         </a:rPr>
-                        <a:t>3,465224036</a:t>
+                        <a:t>3,4652</a:t>
                       </a:r>
                       <a:endParaRPr lang="en-US" altLang="en-US" sz="1800" b="0">
                         <a:solidFill>
@@ -12747,7 +11480,7 @@
                   <a:txBody>
                     <a:bodyPr/>
                     <a:p>
-                      <a:pPr indent="0">
+                      <a:pPr indent="0" algn="l">
                         <a:buNone/>
                       </a:pPr>
                       <a:r>
@@ -12775,7 +11508,7 @@
                   <a:txBody>
                     <a:bodyPr/>
                     <a:p>
-                      <a:pPr indent="0">
+                      <a:pPr indent="0" algn="l">
                         <a:buNone/>
                       </a:pPr>
                       <a:r>
@@ -12805,7 +11538,7 @@
                   <a:txBody>
                     <a:bodyPr/>
                     <a:p>
-                      <a:pPr>
+                      <a:pPr algn="l">
                         <a:buNone/>
                       </a:pPr>
                       <a:r>
@@ -12831,7 +11564,7 @@
                   <a:txBody>
                     <a:bodyPr/>
                     <a:p>
-                      <a:pPr>
+                      <a:pPr algn="l">
                         <a:buNone/>
                       </a:pPr>
                       <a:r>
@@ -12853,7 +11586,7 @@
                   <a:txBody>
                     <a:bodyPr/>
                     <a:p>
-                      <a:pPr indent="0">
+                      <a:pPr indent="0" algn="l">
                         <a:buNone/>
                       </a:pPr>
                       <a:r>
@@ -12864,7 +11597,7 @@
                           <a:latin typeface="Arial" panose="020B0604020202020204" pitchFamily="34" charset="0"/>
                           <a:cs typeface="Arial" panose="020B0604020202020204" pitchFamily="34" charset="0"/>
                         </a:rPr>
-                        <a:t>4,786313714</a:t>
+                        <a:t>4,7863</a:t>
                       </a:r>
                       <a:endParaRPr lang="en-US" altLang="en-US" sz="1800" b="0">
                         <a:solidFill>
@@ -12881,7 +11614,7 @@
                   <a:txBody>
                     <a:bodyPr/>
                     <a:p>
-                      <a:pPr indent="0">
+                      <a:pPr indent="0" algn="l">
                         <a:buNone/>
                       </a:pPr>
                       <a:r>
@@ -12909,7 +11642,7 @@
                   <a:txBody>
                     <a:bodyPr/>
                     <a:p>
-                      <a:pPr indent="0">
+                      <a:pPr indent="0" algn="l">
                         <a:buNone/>
                       </a:pPr>
                       <a:r>
@@ -12939,7 +11672,7 @@
                   <a:txBody>
                     <a:bodyPr/>
                     <a:p>
-                      <a:pPr>
+                      <a:pPr algn="l">
                         <a:buNone/>
                       </a:pPr>
                       <a:r>
@@ -12965,7 +11698,7 @@
                   <a:txBody>
                     <a:bodyPr/>
                     <a:p>
-                      <a:pPr>
+                      <a:pPr algn="l">
                         <a:buNone/>
                       </a:pPr>
                       <a:r>
@@ -12987,7 +11720,7 @@
                   <a:txBody>
                     <a:bodyPr/>
                     <a:p>
-                      <a:pPr indent="0">
+                      <a:pPr indent="0" algn="l">
                         <a:buNone/>
                       </a:pPr>
                       <a:r>
@@ -12998,9 +11731,19 @@
                           <a:latin typeface="Arial" panose="020B0604020202020204" pitchFamily="34" charset="0"/>
                           <a:cs typeface="Arial" panose="020B0604020202020204" pitchFamily="34" charset="0"/>
                         </a:rPr>
-                        <a:t>6,14385619</a:t>
+                        <a:t>6,143</a:t>
                       </a:r>
-                      <a:endParaRPr lang="en-US" altLang="en-US" sz="1800" b="0">
+                      <a:r>
+                        <a:rPr lang="ru-RU" altLang="en-US" sz="1800" b="0">
+                          <a:solidFill>
+                            <a:srgbClr val="000000"/>
+                          </a:solidFill>
+                          <a:latin typeface="Arial" panose="020B0604020202020204" pitchFamily="34" charset="0"/>
+                          <a:cs typeface="Arial" panose="020B0604020202020204" pitchFamily="34" charset="0"/>
+                        </a:rPr>
+                        <a:t>9</a:t>
+                      </a:r>
+                      <a:endParaRPr lang="ru-RU" altLang="en-US" sz="1800" b="0">
                         <a:solidFill>
                           <a:srgbClr val="000000"/>
                         </a:solidFill>
@@ -13015,7 +11758,7 @@
                   <a:txBody>
                     <a:bodyPr/>
                     <a:p>
-                      <a:pPr indent="0">
+                      <a:pPr indent="0" algn="l">
                         <a:buNone/>
                       </a:pPr>
                       <a:r>
@@ -13043,7 +11786,7 @@
                   <a:txBody>
                     <a:bodyPr/>
                     <a:p>
-                      <a:pPr indent="0">
+                      <a:pPr indent="0" algn="l">
                         <a:buNone/>
                       </a:pPr>
                       <a:r>
@@ -13073,7 +11816,7 @@
                   <a:txBody>
                     <a:bodyPr/>
                     <a:p>
-                      <a:pPr>
+                      <a:pPr algn="l">
                         <a:buNone/>
                       </a:pPr>
                       <a:r>
@@ -13099,7 +11842,7 @@
                   <a:txBody>
                     <a:bodyPr/>
                     <a:p>
-                      <a:pPr>
+                      <a:pPr algn="l">
                         <a:buNone/>
                       </a:pPr>
                       <a:r>
@@ -13121,7 +11864,7 @@
                   <a:txBody>
                     <a:bodyPr/>
                     <a:p>
-                      <a:pPr indent="0">
+                      <a:pPr indent="0" algn="l">
                         <a:buNone/>
                       </a:pPr>
                       <a:r>
@@ -13132,7 +11875,7 @@
                           <a:latin typeface="Arial" panose="020B0604020202020204" pitchFamily="34" charset="0"/>
                           <a:cs typeface="Arial" panose="020B0604020202020204" pitchFamily="34" charset="0"/>
                         </a:rPr>
-                        <a:t>7,530448071</a:t>
+                        <a:t>7,5304</a:t>
                       </a:r>
                       <a:endParaRPr lang="en-US" altLang="en-US" sz="1800" b="0">
                         <a:solidFill>
@@ -13149,7 +11892,7 @@
                   <a:txBody>
                     <a:bodyPr/>
                     <a:p>
-                      <a:pPr indent="0">
+                      <a:pPr indent="0" algn="l">
                         <a:buNone/>
                       </a:pPr>
                       <a:r>
@@ -13177,7 +11920,7 @@
                   <a:txBody>
                     <a:bodyPr/>
                     <a:p>
-                      <a:pPr indent="0">
+                      <a:pPr indent="0" algn="l">
                         <a:buNone/>
                       </a:pPr>
                       <a:r>
@@ -13207,7 +11950,7 @@
                   <a:txBody>
                     <a:bodyPr/>
                     <a:p>
-                      <a:pPr>
+                      <a:pPr algn="l">
                         <a:buNone/>
                       </a:pPr>
                       <a:r>
@@ -13233,7 +11976,7 @@
                   <a:txBody>
                     <a:bodyPr/>
                     <a:p>
-                      <a:pPr>
+                      <a:pPr algn="l">
                         <a:buNone/>
                       </a:pPr>
                       <a:r>
@@ -13255,7 +11998,7 @@
                   <a:txBody>
                     <a:bodyPr/>
                     <a:p>
-                      <a:pPr indent="0">
+                      <a:pPr indent="0" algn="l">
                         <a:buNone/>
                       </a:pPr>
                       <a:r>
@@ -13266,9 +12009,19 @@
                           <a:latin typeface="Arial" panose="020B0604020202020204" pitchFamily="34" charset="0"/>
                           <a:cs typeface="Arial" panose="020B0604020202020204" pitchFamily="34" charset="0"/>
                         </a:rPr>
-                        <a:t>8,941197445</a:t>
+                        <a:t>8,941</a:t>
                       </a:r>
-                      <a:endParaRPr lang="en-US" altLang="en-US" sz="1800" b="0">
+                      <a:r>
+                        <a:rPr lang="ru-RU" altLang="en-US" sz="1800" b="0">
+                          <a:solidFill>
+                            <a:srgbClr val="000000"/>
+                          </a:solidFill>
+                          <a:latin typeface="Arial" panose="020B0604020202020204" pitchFamily="34" charset="0"/>
+                          <a:cs typeface="Arial" panose="020B0604020202020204" pitchFamily="34" charset="0"/>
+                        </a:rPr>
+                        <a:t>2</a:t>
+                      </a:r>
+                      <a:endParaRPr lang="ru-RU" altLang="en-US" sz="1800" b="0">
                         <a:solidFill>
                           <a:srgbClr val="000000"/>
                         </a:solidFill>
@@ -13283,7 +12036,7 @@
                   <a:txBody>
                     <a:bodyPr/>
                     <a:p>
-                      <a:pPr indent="0">
+                      <a:pPr indent="0" algn="l">
                         <a:buNone/>
                       </a:pPr>
                       <a:r>
@@ -13311,7 +12064,7 @@
                   <a:txBody>
                     <a:bodyPr/>
                     <a:p>
-                      <a:pPr indent="0">
+                      <a:pPr indent="0" algn="l">
                         <a:buNone/>
                       </a:pPr>
                       <a:r>
@@ -13341,7 +12094,7 @@
                   <a:txBody>
                     <a:bodyPr/>
                     <a:p>
-                      <a:pPr>
+                      <a:pPr algn="l">
                         <a:buNone/>
                       </a:pPr>
                       <a:r>
@@ -13367,7 +12120,7 @@
                   <a:txBody>
                     <a:bodyPr/>
                     <a:p>
-                      <a:pPr>
+                      <a:pPr algn="l">
                         <a:buNone/>
                       </a:pPr>
                       <a:r>
@@ -13389,7 +12142,7 @@
                   <a:txBody>
                     <a:bodyPr/>
                     <a:p>
-                      <a:pPr indent="0">
+                      <a:pPr indent="0" algn="l">
                         <a:buNone/>
                       </a:pPr>
                       <a:r>
@@ -13400,7 +12153,7 @@
                           <a:latin typeface="Arial" panose="020B0604020202020204" pitchFamily="34" charset="0"/>
                           <a:cs typeface="Arial" panose="020B0604020202020204" pitchFamily="34" charset="0"/>
                         </a:rPr>
-                        <a:t>10,37262743</a:t>
+                        <a:t>10,3726</a:t>
                       </a:r>
                       <a:endParaRPr lang="en-US" altLang="en-US" sz="1800" b="0">
                         <a:solidFill>
@@ -13417,7 +12170,7 @@
                   <a:txBody>
                     <a:bodyPr/>
                     <a:p>
-                      <a:pPr indent="0">
+                      <a:pPr indent="0" algn="l">
                         <a:buNone/>
                       </a:pPr>
                       <a:r>
@@ -13445,7 +12198,7 @@
                   <a:txBody>
                     <a:bodyPr/>
                     <a:p>
-                      <a:pPr indent="0">
+                      <a:pPr indent="0" algn="l">
                         <a:buNone/>
                       </a:pPr>
                       <a:r>
@@ -13475,7 +12228,7 @@
                   <a:txBody>
                     <a:bodyPr/>
                     <a:p>
-                      <a:pPr>
+                      <a:pPr algn="l">
                         <a:buNone/>
                       </a:pPr>
                       <a:r>
@@ -13501,7 +12254,7 @@
                   <a:txBody>
                     <a:bodyPr/>
                     <a:p>
-                      <a:pPr>
+                      <a:pPr algn="l">
                         <a:buNone/>
                       </a:pPr>
                       <a:r>
@@ -13523,7 +12276,7 @@
                   <a:txBody>
                     <a:bodyPr/>
                     <a:p>
-                      <a:pPr indent="0">
+                      <a:pPr indent="0" algn="l">
                         <a:buNone/>
                       </a:pPr>
                       <a:r>
@@ -13534,7 +12287,7 @@
                           <a:latin typeface="Arial" panose="020B0604020202020204" pitchFamily="34" charset="0"/>
                           <a:cs typeface="Arial" panose="020B0604020202020204" pitchFamily="34" charset="0"/>
                         </a:rPr>
-                        <a:t>11,82213836</a:t>
+                        <a:t>11,8221</a:t>
                       </a:r>
                       <a:endParaRPr lang="en-US" altLang="en-US" sz="1800" b="0">
                         <a:solidFill>
@@ -13551,7 +12304,7 @@
                   <a:txBody>
                     <a:bodyPr/>
                     <a:p>
-                      <a:pPr indent="0">
+                      <a:pPr indent="0" algn="l">
                         <a:buNone/>
                       </a:pPr>
                       <a:r>
@@ -13579,7 +12332,7 @@
                   <a:txBody>
                     <a:bodyPr/>
                     <a:p>
-                      <a:pPr indent="0">
+                      <a:pPr indent="0" algn="l">
                         <a:buNone/>
                       </a:pPr>
                       <a:r>
@@ -13609,7 +12362,7 @@
                   <a:txBody>
                     <a:bodyPr/>
                     <a:p>
-                      <a:pPr>
+                      <a:pPr algn="l">
                         <a:buNone/>
                       </a:pPr>
                       <a:r>
@@ -13635,7 +12388,7 @@
                   <a:txBody>
                     <a:bodyPr/>
                     <a:p>
-                      <a:pPr>
+                      <a:pPr algn="l">
                         <a:buNone/>
                       </a:pPr>
                       <a:r>
@@ -13657,7 +12410,7 @@
                   <a:txBody>
                     <a:bodyPr/>
                     <a:p>
-                      <a:pPr indent="0">
+                      <a:pPr indent="0" algn="l">
                         <a:buNone/>
                       </a:pPr>
                       <a:r>
@@ -13668,7 +12421,7 @@
                           <a:latin typeface="Arial" panose="020B0604020202020204" pitchFamily="34" charset="0"/>
                           <a:cs typeface="Arial" panose="020B0604020202020204" pitchFamily="34" charset="0"/>
                         </a:rPr>
-                        <a:t>13,28771238</a:t>
+                        <a:t>13,2877</a:t>
                       </a:r>
                       <a:endParaRPr lang="en-US" altLang="en-US" sz="1800" b="0">
                         <a:solidFill>
@@ -13685,7 +12438,7 @@
                   <a:txBody>
                     <a:bodyPr/>
                     <a:p>
-                      <a:pPr indent="0">
+                      <a:pPr indent="0" algn="l">
                         <a:buNone/>
                       </a:pPr>
                       <a:r>
@@ -13713,7 +12466,7 @@
                   <a:txBody>
                     <a:bodyPr/>
                     <a:p>
-                      <a:pPr indent="0">
+                      <a:pPr indent="0" algn="l">
                         <a:buNone/>
                       </a:pPr>
                       <a:r>
@@ -13750,7 +12503,7 @@
 </p:sld>
 </file>
 
-<file path=ppt/slides/slide8.xml><?xml version="1.0" encoding="utf-8"?>
+<file path=ppt/slides/slide9.xml><?xml version="1.0" encoding="utf-8"?>
 <p:sld xmlns:a="http://schemas.openxmlformats.org/drawingml/2006/main" xmlns:r="http://schemas.openxmlformats.org/officeDocument/2006/relationships" xmlns:p="http://schemas.openxmlformats.org/presentationml/2006/main">
   <p:cSld>
     <p:spTree>
@@ -13778,49 +12531,6 @@
         <p:xfrm>
           <a:off x="2819400" y="638175"/>
           <a:ext cx="9372600" cy="5582285"/>
-        </p:xfrm>
-        <a:graphic>
-          <a:graphicData uri="http://schemas.openxmlformats.org/drawingml/2006/chart">
-            <c:chart xmlns:c="http://schemas.openxmlformats.org/drawingml/2006/chart" xmlns:r="http://schemas.openxmlformats.org/officeDocument/2006/relationships" r:id="rId1"/>
-          </a:graphicData>
-        </a:graphic>
-      </p:graphicFrame>
-    </p:spTree>
-  </p:cSld>
-  <p:clrMapOvr>
-    <a:masterClrMapping/>
-  </p:clrMapOvr>
-</p:sld>
-</file>
-
-<file path=ppt/slides/slide9.xml><?xml version="1.0" encoding="utf-8"?>
-<p:sld xmlns:a="http://schemas.openxmlformats.org/drawingml/2006/main" xmlns:r="http://schemas.openxmlformats.org/officeDocument/2006/relationships" xmlns:p="http://schemas.openxmlformats.org/presentationml/2006/main">
-  <p:cSld>
-    <p:spTree>
-      <p:nvGrpSpPr>
-        <p:cNvPr id="1" name=""/>
-        <p:cNvGrpSpPr/>
-        <p:nvPr/>
-      </p:nvGrpSpPr>
-      <p:grpSpPr>
-        <a:xfrm>
-          <a:off x="0" y="0"/>
-          <a:ext cx="0" cy="0"/>
-          <a:chOff x="0" y="0"/>
-          <a:chExt cx="0" cy="0"/>
-        </a:xfrm>
-      </p:grpSpPr>
-      <p:graphicFrame>
-        <p:nvGraphicFramePr>
-          <p:cNvPr id="3" name="Замещающее содержимое 2"/>
-          <p:cNvGraphicFramePr/>
-          <p:nvPr>
-            <p:ph sz="quarter" idx="13"/>
-          </p:nvPr>
-        </p:nvGraphicFramePr>
-        <p:xfrm>
-          <a:off x="2798445" y="715010"/>
-          <a:ext cx="9393555" cy="5436235"/>
         </p:xfrm>
         <a:graphic>
           <a:graphicData uri="http://schemas.openxmlformats.org/drawingml/2006/chart">
